--- a/Selenium/Pragra_Selenium_Draft.pptx
+++ b/Selenium/Pragra_Selenium_Draft.pptx
@@ -5,7 +5,7 @@
     <p:sldMasterId id="2147483660" r:id="rId1"/>
   </p:sldMasterIdLst>
   <p:notesMasterIdLst>
-    <p:notesMasterId r:id="rId20"/>
+    <p:notesMasterId r:id="rId22"/>
   </p:notesMasterIdLst>
   <p:sldIdLst>
     <p:sldId id="526" r:id="rId2"/>
@@ -21,11 +21,13 @@
     <p:sldId id="275" r:id="rId12"/>
     <p:sldId id="265" r:id="rId13"/>
     <p:sldId id="528" r:id="rId14"/>
-    <p:sldId id="266" r:id="rId15"/>
-    <p:sldId id="267" r:id="rId16"/>
-    <p:sldId id="268" r:id="rId17"/>
-    <p:sldId id="279" r:id="rId18"/>
-    <p:sldId id="278" r:id="rId19"/>
+    <p:sldId id="529" r:id="rId15"/>
+    <p:sldId id="530" r:id="rId16"/>
+    <p:sldId id="266" r:id="rId17"/>
+    <p:sldId id="267" r:id="rId18"/>
+    <p:sldId id="268" r:id="rId19"/>
+    <p:sldId id="279" r:id="rId20"/>
+    <p:sldId id="278" r:id="rId21"/>
   </p:sldIdLst>
   <p:sldSz cx="12192000" cy="6858000"/>
   <p:notesSz cx="6858000" cy="9144000"/>
@@ -145,6 +147,8 @@
             <p14:sldId id="275"/>
             <p14:sldId id="265"/>
             <p14:sldId id="528"/>
+            <p14:sldId id="529"/>
+            <p14:sldId id="530"/>
             <p14:sldId id="266"/>
             <p14:sldId id="267"/>
             <p14:sldId id="268"/>
@@ -3520,7 +3524,7 @@
           <a:p>
             <a:fld id="{58C2BD4A-D40A-42C5-976D-406EE7EC3204}" type="datetimeFigureOut">
               <a:rPr lang="en-US" smtClean="0"/>
-              <a:t>11-Nov-20</a:t>
+              <a:t>12-Nov-20</a:t>
             </a:fld>
             <a:endParaRPr lang="en-US"/>
           </a:p>
@@ -16501,8 +16505,8 @@
         </p:nvSpPr>
         <p:spPr>
           <a:xfrm>
-            <a:off x="1489435" y="2073897"/>
-            <a:ext cx="3299381" cy="1527142"/>
+            <a:off x="4891923" y="2129752"/>
+            <a:ext cx="1552281" cy="961535"/>
           </a:xfrm>
           <a:prstGeom prst="roundRect">
             <a:avLst/>
@@ -16550,8 +16554,8 @@
         </p:nvSpPr>
         <p:spPr>
           <a:xfrm>
-            <a:off x="1489435" y="3842960"/>
-            <a:ext cx="3299381" cy="1527142"/>
+            <a:off x="4888584" y="4882442"/>
+            <a:ext cx="1568777" cy="873616"/>
           </a:xfrm>
           <a:prstGeom prst="roundRect">
             <a:avLst/>
@@ -16585,24 +16589,272 @@
           </a:p>
         </p:txBody>
       </p:sp>
+      <p:sp>
+        <p:nvSpPr>
+          <p:cNvPr id="5" name="Rectangle: Rounded Corners 4">
+            <a:extLst>
+              <a:ext uri="{FF2B5EF4-FFF2-40B4-BE49-F238E27FC236}">
+                <a16:creationId xmlns:a16="http://schemas.microsoft.com/office/drawing/2014/main" id="{03B3BA96-CED3-4A61-BBFA-4EA366E6B0EC}"/>
+              </a:ext>
+            </a:extLst>
+          </p:cNvPr>
+          <p:cNvSpPr/>
+          <p:nvPr/>
+        </p:nvSpPr>
+        <p:spPr>
+          <a:xfrm>
+            <a:off x="7258640" y="1930589"/>
+            <a:ext cx="2089607" cy="480767"/>
+          </a:xfrm>
+          <a:prstGeom prst="roundRect">
+            <a:avLst/>
+          </a:prstGeom>
+        </p:spPr>
+        <p:style>
+          <a:lnRef idx="2">
+            <a:schemeClr val="accent1">
+              <a:shade val="50000"/>
+            </a:schemeClr>
+          </a:lnRef>
+          <a:fillRef idx="1">
+            <a:schemeClr val="accent1"/>
+          </a:fillRef>
+          <a:effectRef idx="0">
+            <a:schemeClr val="accent1"/>
+          </a:effectRef>
+          <a:fontRef idx="minor">
+            <a:schemeClr val="lt1"/>
+          </a:fontRef>
+        </p:style>
+        <p:txBody>
+          <a:bodyPr rtlCol="0" anchor="ctr"/>
+          <a:lstStyle/>
+          <a:p>
+            <a:pPr algn="ctr"/>
+            <a:r>
+              <a:rPr lang="en-US" dirty="0" err="1"/>
+              <a:t>PageLoadTimeout</a:t>
+            </a:r>
+            <a:endParaRPr lang="en-US" dirty="0"/>
+          </a:p>
+        </p:txBody>
+      </p:sp>
+      <p:sp>
+        <p:nvSpPr>
+          <p:cNvPr id="8" name="Rectangle: Rounded Corners 7">
+            <a:extLst>
+              <a:ext uri="{FF2B5EF4-FFF2-40B4-BE49-F238E27FC236}">
+                <a16:creationId xmlns:a16="http://schemas.microsoft.com/office/drawing/2014/main" id="{D5B7F844-E60A-4830-A6D0-526712AC1B32}"/>
+              </a:ext>
+            </a:extLst>
+          </p:cNvPr>
+          <p:cNvSpPr/>
+          <p:nvPr/>
+        </p:nvSpPr>
+        <p:spPr>
+          <a:xfrm>
+            <a:off x="7258639" y="2631314"/>
+            <a:ext cx="2089608" cy="507510"/>
+          </a:xfrm>
+          <a:prstGeom prst="roundRect">
+            <a:avLst/>
+          </a:prstGeom>
+        </p:spPr>
+        <p:style>
+          <a:lnRef idx="2">
+            <a:schemeClr val="accent1">
+              <a:shade val="50000"/>
+            </a:schemeClr>
+          </a:lnRef>
+          <a:fillRef idx="1">
+            <a:schemeClr val="accent1"/>
+          </a:fillRef>
+          <a:effectRef idx="0">
+            <a:schemeClr val="accent1"/>
+          </a:effectRef>
+          <a:fontRef idx="minor">
+            <a:schemeClr val="lt1"/>
+          </a:fontRef>
+        </p:style>
+        <p:txBody>
+          <a:bodyPr rtlCol="0" anchor="ctr"/>
+          <a:lstStyle/>
+          <a:p>
+            <a:pPr algn="ctr"/>
+            <a:r>
+              <a:rPr lang="en-US" dirty="0" err="1"/>
+              <a:t>setScriptTimeout</a:t>
+            </a:r>
+            <a:endParaRPr lang="en-US" dirty="0"/>
+          </a:p>
+        </p:txBody>
+      </p:sp>
+      <p:sp>
+        <p:nvSpPr>
+          <p:cNvPr id="9" name="Rectangle: Rounded Corners 8">
+            <a:extLst>
+              <a:ext uri="{FF2B5EF4-FFF2-40B4-BE49-F238E27FC236}">
+                <a16:creationId xmlns:a16="http://schemas.microsoft.com/office/drawing/2014/main" id="{429AD1EC-F2F3-43EB-A20D-2DE304D7DCFB}"/>
+              </a:ext>
+            </a:extLst>
+          </p:cNvPr>
+          <p:cNvSpPr/>
+          <p:nvPr/>
+        </p:nvSpPr>
+        <p:spPr>
+          <a:xfrm>
+            <a:off x="7251596" y="4667460"/>
+            <a:ext cx="2089608" cy="519950"/>
+          </a:xfrm>
+          <a:prstGeom prst="roundRect">
+            <a:avLst/>
+          </a:prstGeom>
+        </p:spPr>
+        <p:style>
+          <a:lnRef idx="2">
+            <a:schemeClr val="accent1">
+              <a:shade val="50000"/>
+            </a:schemeClr>
+          </a:lnRef>
+          <a:fillRef idx="1">
+            <a:schemeClr val="accent1"/>
+          </a:fillRef>
+          <a:effectRef idx="0">
+            <a:schemeClr val="accent1"/>
+          </a:effectRef>
+          <a:fontRef idx="minor">
+            <a:schemeClr val="lt1"/>
+          </a:fontRef>
+        </p:style>
+        <p:txBody>
+          <a:bodyPr rtlCol="0" anchor="ctr"/>
+          <a:lstStyle/>
+          <a:p>
+            <a:pPr algn="ctr"/>
+            <a:r>
+              <a:rPr lang="en-US" sz="1600" dirty="0"/>
+              <a:t>Expected conditions</a:t>
+            </a:r>
+          </a:p>
+        </p:txBody>
+      </p:sp>
+      <p:sp>
+        <p:nvSpPr>
+          <p:cNvPr id="10" name="Rectangle: Rounded Corners 9">
+            <a:extLst>
+              <a:ext uri="{FF2B5EF4-FFF2-40B4-BE49-F238E27FC236}">
+                <a16:creationId xmlns:a16="http://schemas.microsoft.com/office/drawing/2014/main" id="{647B1C89-219D-4C17-BCCC-D7B237AC8F12}"/>
+              </a:ext>
+            </a:extLst>
+          </p:cNvPr>
+          <p:cNvSpPr/>
+          <p:nvPr/>
+        </p:nvSpPr>
+        <p:spPr>
+          <a:xfrm>
+            <a:off x="7258640" y="5406400"/>
+            <a:ext cx="2089608" cy="519951"/>
+          </a:xfrm>
+          <a:prstGeom prst="roundRect">
+            <a:avLst/>
+          </a:prstGeom>
+        </p:spPr>
+        <p:style>
+          <a:lnRef idx="2">
+            <a:schemeClr val="accent1">
+              <a:shade val="50000"/>
+            </a:schemeClr>
+          </a:lnRef>
+          <a:fillRef idx="1">
+            <a:schemeClr val="accent1"/>
+          </a:fillRef>
+          <a:effectRef idx="0">
+            <a:schemeClr val="accent1"/>
+          </a:effectRef>
+          <a:fontRef idx="minor">
+            <a:schemeClr val="lt1"/>
+          </a:fontRef>
+        </p:style>
+        <p:txBody>
+          <a:bodyPr rtlCol="0" anchor="ctr"/>
+          <a:lstStyle/>
+          <a:p>
+            <a:pPr algn="ctr"/>
+            <a:r>
+              <a:rPr lang="en-US" dirty="0" err="1"/>
+              <a:t>Thread.sleep</a:t>
+            </a:r>
+            <a:r>
+              <a:rPr lang="en-US" dirty="0"/>
+              <a:t>()</a:t>
+            </a:r>
+          </a:p>
+        </p:txBody>
+      </p:sp>
       <p:cxnSp>
         <p:nvCxnSpPr>
-          <p:cNvPr id="6" name="Straight Arrow Connector 5">
+          <p:cNvPr id="12" name="Connector: Elbow 11">
             <a:extLst>
               <a:ext uri="{FF2B5EF4-FFF2-40B4-BE49-F238E27FC236}">
-                <a16:creationId xmlns:a16="http://schemas.microsoft.com/office/drawing/2014/main" id="{5B7D3AA7-BC90-4424-A2C2-7723613E3A58}"/>
+                <a16:creationId xmlns:a16="http://schemas.microsoft.com/office/drawing/2014/main" id="{0EEFA7FC-9807-42DA-80C9-B44EC971C3F5}"/>
               </a:ext>
             </a:extLst>
           </p:cNvPr>
-          <p:cNvCxnSpPr/>
+          <p:cNvCxnSpPr>
+            <a:cxnSpLocks/>
+          </p:cNvCxnSpPr>
           <p:nvPr/>
         </p:nvCxnSpPr>
         <p:spPr>
-          <a:xfrm>
-            <a:off x="4710260" y="2799761"/>
-            <a:ext cx="1385740" cy="0"/>
+          <a:xfrm flipV="1">
+            <a:off x="6221397" y="2280952"/>
+            <a:ext cx="1037242" cy="285379"/>
           </a:xfrm>
-          <a:prstGeom prst="straightConnector1">
+          <a:prstGeom prst="bentConnector3">
+            <a:avLst>
+              <a:gd name="adj1" fmla="val 59997"/>
+            </a:avLst>
+          </a:prstGeom>
+          <a:ln>
+            <a:tailEnd type="triangle"/>
+          </a:ln>
+        </p:spPr>
+        <p:style>
+          <a:lnRef idx="1">
+            <a:schemeClr val="accent1"/>
+          </a:lnRef>
+          <a:fillRef idx="0">
+            <a:schemeClr val="accent1"/>
+          </a:fillRef>
+          <a:effectRef idx="0">
+            <a:schemeClr val="accent1"/>
+          </a:effectRef>
+          <a:fontRef idx="minor">
+            <a:schemeClr val="tx1"/>
+          </a:fontRef>
+        </p:style>
+      </p:cxnSp>
+      <p:cxnSp>
+        <p:nvCxnSpPr>
+          <p:cNvPr id="13" name="Connector: Elbow 12">
+            <a:extLst>
+              <a:ext uri="{FF2B5EF4-FFF2-40B4-BE49-F238E27FC236}">
+                <a16:creationId xmlns:a16="http://schemas.microsoft.com/office/drawing/2014/main" id="{A5A85177-AC4B-4BE0-BCC2-AB7754F69E3C}"/>
+              </a:ext>
+            </a:extLst>
+          </p:cNvPr>
+          <p:cNvCxnSpPr>
+            <a:cxnSpLocks/>
+            <a:endCxn id="9" idx="1"/>
+          </p:cNvCxnSpPr>
+          <p:nvPr/>
+        </p:nvCxnSpPr>
+        <p:spPr>
+          <a:xfrm flipV="1">
+            <a:off x="6072225" y="4927435"/>
+            <a:ext cx="1179371" cy="259975"/>
+          </a:xfrm>
+          <a:prstGeom prst="bentConnector3">
             <a:avLst/>
           </a:prstGeom>
           <a:ln>
@@ -16626,23 +16878,68 @@
       </p:cxnSp>
       <p:cxnSp>
         <p:nvCxnSpPr>
-          <p:cNvPr id="7" name="Straight Arrow Connector 6">
+          <p:cNvPr id="20" name="Connector: Elbow 19">
             <a:extLst>
               <a:ext uri="{FF2B5EF4-FFF2-40B4-BE49-F238E27FC236}">
-                <a16:creationId xmlns:a16="http://schemas.microsoft.com/office/drawing/2014/main" id="{F5ADCA8D-EDF3-4158-8639-88B535A377AE}"/>
+                <a16:creationId xmlns:a16="http://schemas.microsoft.com/office/drawing/2014/main" id="{4137B7B8-27FF-495A-A72A-8E98BD13A439}"/>
               </a:ext>
             </a:extLst>
           </p:cNvPr>
-          <p:cNvCxnSpPr/>
+          <p:cNvCxnSpPr>
+            <a:cxnSpLocks/>
+          </p:cNvCxnSpPr>
           <p:nvPr/>
         </p:nvCxnSpPr>
         <p:spPr>
           <a:xfrm>
-            <a:off x="4710260" y="4469876"/>
-            <a:ext cx="1385740" cy="0"/>
+            <a:off x="6457361" y="2754065"/>
+            <a:ext cx="801671" cy="224533"/>
           </a:xfrm>
-          <a:prstGeom prst="straightConnector1">
+          <a:prstGeom prst="bentConnector3">
             <a:avLst/>
+          </a:prstGeom>
+          <a:ln>
+            <a:tailEnd type="triangle"/>
+          </a:ln>
+        </p:spPr>
+        <p:style>
+          <a:lnRef idx="1">
+            <a:schemeClr val="accent1"/>
+          </a:lnRef>
+          <a:fillRef idx="0">
+            <a:schemeClr val="accent1"/>
+          </a:fillRef>
+          <a:effectRef idx="0">
+            <a:schemeClr val="accent1"/>
+          </a:effectRef>
+          <a:fontRef idx="minor">
+            <a:schemeClr val="tx1"/>
+          </a:fontRef>
+        </p:style>
+      </p:cxnSp>
+      <p:cxnSp>
+        <p:nvCxnSpPr>
+          <p:cNvPr id="25" name="Connector: Elbow 24">
+            <a:extLst>
+              <a:ext uri="{FF2B5EF4-FFF2-40B4-BE49-F238E27FC236}">
+                <a16:creationId xmlns:a16="http://schemas.microsoft.com/office/drawing/2014/main" id="{CA55F621-7DB4-4CC3-9046-7D348AB6FDF6}"/>
+              </a:ext>
+            </a:extLst>
+          </p:cNvPr>
+          <p:cNvCxnSpPr>
+            <a:cxnSpLocks/>
+          </p:cNvCxnSpPr>
+          <p:nvPr/>
+        </p:nvCxnSpPr>
+        <p:spPr>
+          <a:xfrm>
+            <a:off x="6440865" y="5356705"/>
+            <a:ext cx="850653" cy="254030"/>
+          </a:xfrm>
+          <a:prstGeom prst="bentConnector3">
+            <a:avLst>
+              <a:gd name="adj1" fmla="val 25620"/>
+            </a:avLst>
           </a:prstGeom>
           <a:ln>
             <a:tailEnd type="triangle"/>
@@ -16698,7 +16995,7 @@
           <p:cNvPr id="2" name="Title 1">
             <a:extLst>
               <a:ext uri="{FF2B5EF4-FFF2-40B4-BE49-F238E27FC236}">
-                <a16:creationId xmlns:a16="http://schemas.microsoft.com/office/drawing/2014/main" id="{AF8EBD91-5E0B-498F-BC12-89E256B53B00}"/>
+                <a16:creationId xmlns:a16="http://schemas.microsoft.com/office/drawing/2014/main" id="{7D981CBA-5CAD-4105-B43F-AED7A200B9D5}"/>
               </a:ext>
             </a:extLst>
           </p:cNvPr>
@@ -16715,174 +17012,705 @@
           <a:lstStyle/>
           <a:p>
             <a:r>
-              <a:rPr lang="en-AU" dirty="0" err="1"/>
-              <a:t>Javascript</a:t>
-            </a:r>
-            <a:r>
-              <a:rPr lang="en-AU" dirty="0"/>
-              <a:t> executor and Selenium</a:t>
+              <a:rPr lang="en-US" dirty="0"/>
+              <a:t>Waits</a:t>
             </a:r>
           </a:p>
         </p:txBody>
       </p:sp>
       <p:sp>
         <p:nvSpPr>
-          <p:cNvPr id="3" name="Content Placeholder 2">
+          <p:cNvPr id="3" name="Rectangle: Rounded Corners 2">
             <a:extLst>
               <a:ext uri="{FF2B5EF4-FFF2-40B4-BE49-F238E27FC236}">
-                <a16:creationId xmlns:a16="http://schemas.microsoft.com/office/drawing/2014/main" id="{58A7397D-B350-4FD2-A2E3-F5A22BB58F68}"/>
+                <a16:creationId xmlns:a16="http://schemas.microsoft.com/office/drawing/2014/main" id="{020A2D3F-DFDD-42FA-9070-5E70C0D53070}"/>
               </a:ext>
             </a:extLst>
           </p:cNvPr>
-          <p:cNvSpPr>
-            <a:spLocks noGrp="1"/>
-          </p:cNvSpPr>
-          <p:nvPr>
-            <p:ph idx="4294967295"/>
-          </p:nvPr>
+          <p:cNvSpPr/>
+          <p:nvPr/>
         </p:nvSpPr>
         <p:spPr>
           <a:xfrm>
-            <a:off x="981075" y="1635125"/>
-            <a:ext cx="10515600" cy="4351338"/>
+            <a:off x="4891923" y="2129752"/>
+            <a:ext cx="1552281" cy="961535"/>
           </a:xfrm>
+          <a:prstGeom prst="roundRect">
+            <a:avLst/>
+          </a:prstGeom>
+        </p:spPr>
+        <p:style>
+          <a:lnRef idx="2">
+            <a:schemeClr val="accent1">
+              <a:shade val="50000"/>
+            </a:schemeClr>
+          </a:lnRef>
+          <a:fillRef idx="1">
+            <a:schemeClr val="accent1"/>
+          </a:fillRef>
+          <a:effectRef idx="0">
+            <a:schemeClr val="accent1"/>
+          </a:effectRef>
+          <a:fontRef idx="minor">
+            <a:schemeClr val="lt1"/>
+          </a:fontRef>
+        </p:style>
+        <p:txBody>
+          <a:bodyPr rtlCol="0" anchor="ctr"/>
+          <a:lstStyle/>
+          <a:p>
+            <a:pPr algn="ctr"/>
+            <a:r>
+              <a:rPr lang="en-US" dirty="0"/>
+              <a:t>Implicit Wait</a:t>
+            </a:r>
+          </a:p>
+        </p:txBody>
+      </p:sp>
+      <p:sp>
+        <p:nvSpPr>
+          <p:cNvPr id="4" name="Rectangle: Rounded Corners 3">
+            <a:extLst>
+              <a:ext uri="{FF2B5EF4-FFF2-40B4-BE49-F238E27FC236}">
+                <a16:creationId xmlns:a16="http://schemas.microsoft.com/office/drawing/2014/main" id="{ABAF099E-E2A5-44FE-89AE-D4669733FF9E}"/>
+              </a:ext>
+            </a:extLst>
+          </p:cNvPr>
+          <p:cNvSpPr/>
+          <p:nvPr/>
+        </p:nvSpPr>
+        <p:spPr>
+          <a:xfrm>
+            <a:off x="4888584" y="4882442"/>
+            <a:ext cx="1568777" cy="873616"/>
+          </a:xfrm>
+          <a:prstGeom prst="roundRect">
+            <a:avLst/>
+          </a:prstGeom>
+        </p:spPr>
+        <p:style>
+          <a:lnRef idx="2">
+            <a:schemeClr val="accent1">
+              <a:shade val="50000"/>
+            </a:schemeClr>
+          </a:lnRef>
+          <a:fillRef idx="1">
+            <a:schemeClr val="accent1"/>
+          </a:fillRef>
+          <a:effectRef idx="0">
+            <a:schemeClr val="accent1"/>
+          </a:effectRef>
+          <a:fontRef idx="minor">
+            <a:schemeClr val="lt1"/>
+          </a:fontRef>
+        </p:style>
+        <p:txBody>
+          <a:bodyPr rtlCol="0" anchor="ctr"/>
+          <a:lstStyle/>
+          <a:p>
+            <a:pPr algn="ctr"/>
+            <a:r>
+              <a:rPr lang="en-US" dirty="0"/>
+              <a:t>Explicit Wait</a:t>
+            </a:r>
+          </a:p>
+        </p:txBody>
+      </p:sp>
+      <p:sp>
+        <p:nvSpPr>
+          <p:cNvPr id="5" name="Rectangle: Rounded Corners 4">
+            <a:extLst>
+              <a:ext uri="{FF2B5EF4-FFF2-40B4-BE49-F238E27FC236}">
+                <a16:creationId xmlns:a16="http://schemas.microsoft.com/office/drawing/2014/main" id="{DD005A25-D916-47DD-8CAA-B552E3AD7E99}"/>
+              </a:ext>
+            </a:extLst>
+          </p:cNvPr>
+          <p:cNvSpPr/>
+          <p:nvPr/>
+        </p:nvSpPr>
+        <p:spPr>
+          <a:xfrm>
+            <a:off x="7258640" y="1930589"/>
+            <a:ext cx="2089607" cy="480767"/>
+          </a:xfrm>
+          <a:prstGeom prst="roundRect">
+            <a:avLst/>
+          </a:prstGeom>
+        </p:spPr>
+        <p:style>
+          <a:lnRef idx="2">
+            <a:schemeClr val="accent1">
+              <a:shade val="50000"/>
+            </a:schemeClr>
+          </a:lnRef>
+          <a:fillRef idx="1">
+            <a:schemeClr val="accent1"/>
+          </a:fillRef>
+          <a:effectRef idx="0">
+            <a:schemeClr val="accent1"/>
+          </a:effectRef>
+          <a:fontRef idx="minor">
+            <a:schemeClr val="lt1"/>
+          </a:fontRef>
+        </p:style>
+        <p:txBody>
+          <a:bodyPr rtlCol="0" anchor="ctr"/>
+          <a:lstStyle/>
+          <a:p>
+            <a:pPr algn="ctr"/>
+            <a:r>
+              <a:rPr lang="en-US" dirty="0" err="1"/>
+              <a:t>PageLoadTimeout</a:t>
+            </a:r>
+            <a:endParaRPr lang="en-US" dirty="0"/>
+          </a:p>
+        </p:txBody>
+      </p:sp>
+      <p:sp>
+        <p:nvSpPr>
+          <p:cNvPr id="6" name="Rectangle: Rounded Corners 5">
+            <a:extLst>
+              <a:ext uri="{FF2B5EF4-FFF2-40B4-BE49-F238E27FC236}">
+                <a16:creationId xmlns:a16="http://schemas.microsoft.com/office/drawing/2014/main" id="{6252ED09-DF85-476C-959F-CB168EC830C0}"/>
+              </a:ext>
+            </a:extLst>
+          </p:cNvPr>
+          <p:cNvSpPr/>
+          <p:nvPr/>
+        </p:nvSpPr>
+        <p:spPr>
+          <a:xfrm>
+            <a:off x="7258639" y="2631314"/>
+            <a:ext cx="2089608" cy="507510"/>
+          </a:xfrm>
+          <a:prstGeom prst="roundRect">
+            <a:avLst/>
+          </a:prstGeom>
+        </p:spPr>
+        <p:style>
+          <a:lnRef idx="2">
+            <a:schemeClr val="accent1">
+              <a:shade val="50000"/>
+            </a:schemeClr>
+          </a:lnRef>
+          <a:fillRef idx="1">
+            <a:schemeClr val="accent1"/>
+          </a:fillRef>
+          <a:effectRef idx="0">
+            <a:schemeClr val="accent1"/>
+          </a:effectRef>
+          <a:fontRef idx="minor">
+            <a:schemeClr val="lt1"/>
+          </a:fontRef>
+        </p:style>
+        <p:txBody>
+          <a:bodyPr rtlCol="0" anchor="ctr"/>
+          <a:lstStyle/>
+          <a:p>
+            <a:pPr algn="ctr"/>
+            <a:r>
+              <a:rPr lang="en-US" dirty="0" err="1"/>
+              <a:t>setScriptTimeout</a:t>
+            </a:r>
+            <a:endParaRPr lang="en-US" dirty="0"/>
+          </a:p>
+        </p:txBody>
+      </p:sp>
+      <p:sp>
+        <p:nvSpPr>
+          <p:cNvPr id="7" name="Rectangle: Rounded Corners 6">
+            <a:extLst>
+              <a:ext uri="{FF2B5EF4-FFF2-40B4-BE49-F238E27FC236}">
+                <a16:creationId xmlns:a16="http://schemas.microsoft.com/office/drawing/2014/main" id="{C15899CF-C46A-4CAB-A844-3A2AB372C5EA}"/>
+              </a:ext>
+            </a:extLst>
+          </p:cNvPr>
+          <p:cNvSpPr/>
+          <p:nvPr/>
+        </p:nvSpPr>
+        <p:spPr>
+          <a:xfrm>
+            <a:off x="7251596" y="4667460"/>
+            <a:ext cx="2089608" cy="519950"/>
+          </a:xfrm>
+          <a:prstGeom prst="roundRect">
+            <a:avLst/>
+          </a:prstGeom>
+        </p:spPr>
+        <p:style>
+          <a:lnRef idx="2">
+            <a:schemeClr val="accent1">
+              <a:shade val="50000"/>
+            </a:schemeClr>
+          </a:lnRef>
+          <a:fillRef idx="1">
+            <a:schemeClr val="accent1"/>
+          </a:fillRef>
+          <a:effectRef idx="0">
+            <a:schemeClr val="accent1"/>
+          </a:effectRef>
+          <a:fontRef idx="minor">
+            <a:schemeClr val="lt1"/>
+          </a:fontRef>
+        </p:style>
+        <p:txBody>
+          <a:bodyPr rtlCol="0" anchor="ctr"/>
+          <a:lstStyle/>
+          <a:p>
+            <a:pPr algn="ctr"/>
+            <a:r>
+              <a:rPr lang="en-US" sz="1600" dirty="0"/>
+              <a:t>Expected conditions</a:t>
+            </a:r>
+          </a:p>
+        </p:txBody>
+      </p:sp>
+      <p:sp>
+        <p:nvSpPr>
+          <p:cNvPr id="8" name="Rectangle: Rounded Corners 7">
+            <a:extLst>
+              <a:ext uri="{FF2B5EF4-FFF2-40B4-BE49-F238E27FC236}">
+                <a16:creationId xmlns:a16="http://schemas.microsoft.com/office/drawing/2014/main" id="{A734BF1B-890E-4E32-83D1-D893FC828F10}"/>
+              </a:ext>
+            </a:extLst>
+          </p:cNvPr>
+          <p:cNvSpPr/>
+          <p:nvPr/>
+        </p:nvSpPr>
+        <p:spPr>
+          <a:xfrm>
+            <a:off x="7258640" y="5406400"/>
+            <a:ext cx="2089608" cy="519951"/>
+          </a:xfrm>
+          <a:prstGeom prst="roundRect">
+            <a:avLst/>
+          </a:prstGeom>
+        </p:spPr>
+        <p:style>
+          <a:lnRef idx="2">
+            <a:schemeClr val="accent1">
+              <a:shade val="50000"/>
+            </a:schemeClr>
+          </a:lnRef>
+          <a:fillRef idx="1">
+            <a:schemeClr val="accent1"/>
+          </a:fillRef>
+          <a:effectRef idx="0">
+            <a:schemeClr val="accent1"/>
+          </a:effectRef>
+          <a:fontRef idx="minor">
+            <a:schemeClr val="lt1"/>
+          </a:fontRef>
+        </p:style>
+        <p:txBody>
+          <a:bodyPr rtlCol="0" anchor="ctr"/>
+          <a:lstStyle/>
+          <a:p>
+            <a:pPr algn="ctr"/>
+            <a:r>
+              <a:rPr lang="en-US" dirty="0" err="1"/>
+              <a:t>Thread.sleep</a:t>
+            </a:r>
+            <a:r>
+              <a:rPr lang="en-US" dirty="0"/>
+              <a:t>()</a:t>
+            </a:r>
+          </a:p>
+        </p:txBody>
+      </p:sp>
+      <p:cxnSp>
+        <p:nvCxnSpPr>
+          <p:cNvPr id="9" name="Connector: Elbow 8">
+            <a:extLst>
+              <a:ext uri="{FF2B5EF4-FFF2-40B4-BE49-F238E27FC236}">
+                <a16:creationId xmlns:a16="http://schemas.microsoft.com/office/drawing/2014/main" id="{116A91D3-1782-49DA-9815-DF6FD337D19D}"/>
+              </a:ext>
+            </a:extLst>
+          </p:cNvPr>
+          <p:cNvCxnSpPr>
+            <a:cxnSpLocks/>
+          </p:cNvCxnSpPr>
+          <p:nvPr/>
+        </p:nvCxnSpPr>
+        <p:spPr>
+          <a:xfrm flipV="1">
+            <a:off x="6221397" y="2280952"/>
+            <a:ext cx="1037242" cy="285379"/>
+          </a:xfrm>
+          <a:prstGeom prst="bentConnector3">
+            <a:avLst>
+              <a:gd name="adj1" fmla="val 59997"/>
+            </a:avLst>
+          </a:prstGeom>
+          <a:ln>
+            <a:tailEnd type="triangle"/>
+          </a:ln>
+        </p:spPr>
+        <p:style>
+          <a:lnRef idx="1">
+            <a:schemeClr val="accent1"/>
+          </a:lnRef>
+          <a:fillRef idx="0">
+            <a:schemeClr val="accent1"/>
+          </a:fillRef>
+          <a:effectRef idx="0">
+            <a:schemeClr val="accent1"/>
+          </a:effectRef>
+          <a:fontRef idx="minor">
+            <a:schemeClr val="tx1"/>
+          </a:fontRef>
+        </p:style>
+      </p:cxnSp>
+      <p:cxnSp>
+        <p:nvCxnSpPr>
+          <p:cNvPr id="10" name="Connector: Elbow 9">
+            <a:extLst>
+              <a:ext uri="{FF2B5EF4-FFF2-40B4-BE49-F238E27FC236}">
+                <a16:creationId xmlns:a16="http://schemas.microsoft.com/office/drawing/2014/main" id="{00337390-AAC2-4A76-97D3-ACFA93E27CE3}"/>
+              </a:ext>
+            </a:extLst>
+          </p:cNvPr>
+          <p:cNvCxnSpPr>
+            <a:cxnSpLocks/>
+            <a:endCxn id="7" idx="1"/>
+          </p:cNvCxnSpPr>
+          <p:nvPr/>
+        </p:nvCxnSpPr>
+        <p:spPr>
+          <a:xfrm flipV="1">
+            <a:off x="6072225" y="4927435"/>
+            <a:ext cx="1179371" cy="259975"/>
+          </a:xfrm>
+          <a:prstGeom prst="bentConnector3">
+            <a:avLst/>
+          </a:prstGeom>
+          <a:ln>
+            <a:tailEnd type="triangle"/>
+          </a:ln>
+        </p:spPr>
+        <p:style>
+          <a:lnRef idx="1">
+            <a:schemeClr val="accent1"/>
+          </a:lnRef>
+          <a:fillRef idx="0">
+            <a:schemeClr val="accent1"/>
+          </a:fillRef>
+          <a:effectRef idx="0">
+            <a:schemeClr val="accent1"/>
+          </a:effectRef>
+          <a:fontRef idx="minor">
+            <a:schemeClr val="tx1"/>
+          </a:fontRef>
+        </p:style>
+      </p:cxnSp>
+      <p:cxnSp>
+        <p:nvCxnSpPr>
+          <p:cNvPr id="11" name="Connector: Elbow 10">
+            <a:extLst>
+              <a:ext uri="{FF2B5EF4-FFF2-40B4-BE49-F238E27FC236}">
+                <a16:creationId xmlns:a16="http://schemas.microsoft.com/office/drawing/2014/main" id="{0C7525D5-7066-44FC-8B8A-C4757215060A}"/>
+              </a:ext>
+            </a:extLst>
+          </p:cNvPr>
+          <p:cNvCxnSpPr>
+            <a:cxnSpLocks/>
+          </p:cNvCxnSpPr>
+          <p:nvPr/>
+        </p:nvCxnSpPr>
+        <p:spPr>
+          <a:xfrm>
+            <a:off x="6457361" y="2754065"/>
+            <a:ext cx="801671" cy="224533"/>
+          </a:xfrm>
+          <a:prstGeom prst="bentConnector3">
+            <a:avLst/>
+          </a:prstGeom>
+          <a:ln>
+            <a:tailEnd type="triangle"/>
+          </a:ln>
+        </p:spPr>
+        <p:style>
+          <a:lnRef idx="1">
+            <a:schemeClr val="accent1"/>
+          </a:lnRef>
+          <a:fillRef idx="0">
+            <a:schemeClr val="accent1"/>
+          </a:fillRef>
+          <a:effectRef idx="0">
+            <a:schemeClr val="accent1"/>
+          </a:effectRef>
+          <a:fontRef idx="minor">
+            <a:schemeClr val="tx1"/>
+          </a:fontRef>
+        </p:style>
+      </p:cxnSp>
+      <p:cxnSp>
+        <p:nvCxnSpPr>
+          <p:cNvPr id="12" name="Connector: Elbow 11">
+            <a:extLst>
+              <a:ext uri="{FF2B5EF4-FFF2-40B4-BE49-F238E27FC236}">
+                <a16:creationId xmlns:a16="http://schemas.microsoft.com/office/drawing/2014/main" id="{8A61EF13-E63D-4811-BAB0-258597DCC7CF}"/>
+              </a:ext>
+            </a:extLst>
+          </p:cNvPr>
+          <p:cNvCxnSpPr>
+            <a:cxnSpLocks/>
+          </p:cNvCxnSpPr>
+          <p:nvPr/>
+        </p:nvCxnSpPr>
+        <p:spPr>
+          <a:xfrm>
+            <a:off x="6440865" y="5356705"/>
+            <a:ext cx="850653" cy="254030"/>
+          </a:xfrm>
+          <a:prstGeom prst="bentConnector3">
+            <a:avLst>
+              <a:gd name="adj1" fmla="val 25620"/>
+            </a:avLst>
+          </a:prstGeom>
+          <a:ln>
+            <a:tailEnd type="triangle"/>
+          </a:ln>
+        </p:spPr>
+        <p:style>
+          <a:lnRef idx="1">
+            <a:schemeClr val="accent1"/>
+          </a:lnRef>
+          <a:fillRef idx="0">
+            <a:schemeClr val="accent1"/>
+          </a:fillRef>
+          <a:effectRef idx="0">
+            <a:schemeClr val="accent1"/>
+          </a:effectRef>
+          <a:fontRef idx="minor">
+            <a:schemeClr val="tx1"/>
+          </a:fontRef>
+        </p:style>
+      </p:cxnSp>
+      <p:sp>
+        <p:nvSpPr>
+          <p:cNvPr id="13" name="Title 1">
+            <a:extLst>
+              <a:ext uri="{FF2B5EF4-FFF2-40B4-BE49-F238E27FC236}">
+                <a16:creationId xmlns:a16="http://schemas.microsoft.com/office/drawing/2014/main" id="{8196D1DA-76B8-408D-BB21-A329760D57C5}"/>
+              </a:ext>
+            </a:extLst>
+          </p:cNvPr>
+          <p:cNvSpPr txBox="1">
+            <a:spLocks/>
+          </p:cNvSpPr>
+          <p:nvPr/>
+        </p:nvSpPr>
+        <p:spPr>
+          <a:xfrm>
+            <a:off x="380298" y="1561104"/>
+            <a:ext cx="4201129" cy="4365247"/>
+          </a:xfrm>
+          <a:prstGeom prst="rect">
+            <a:avLst/>
+          </a:prstGeom>
         </p:spPr>
         <p:txBody>
-          <a:bodyPr/>
-          <a:lstStyle/>
-          <a:p>
-            <a:r>
-              <a:rPr lang="en-US" sz="1600" dirty="0"/>
-              <a:t>What is </a:t>
-            </a:r>
-            <a:r>
-              <a:rPr lang="en-US" sz="1600" dirty="0" err="1"/>
-              <a:t>JavaScriptExecutor</a:t>
-            </a:r>
-            <a:r>
-              <a:rPr lang="en-US" sz="1600" dirty="0"/>
-              <a:t>?</a:t>
-            </a:r>
-          </a:p>
-          <a:p>
-            <a:pPr lvl="1"/>
-            <a:r>
-              <a:rPr lang="en-US" sz="1600" dirty="0" err="1"/>
-              <a:t>JavaScriptExecutor</a:t>
-            </a:r>
-            <a:r>
-              <a:rPr lang="en-US" sz="1600" dirty="0"/>
-              <a:t> is an interface that provides a mechanism to execute </a:t>
-            </a:r>
-            <a:r>
-              <a:rPr lang="en-US" sz="1600" dirty="0" err="1"/>
-              <a:t>Javascript</a:t>
-            </a:r>
-            <a:r>
-              <a:rPr lang="en-US" sz="1600" dirty="0"/>
-              <a:t> through selenium driver. </a:t>
-            </a:r>
-          </a:p>
-          <a:p>
-            <a:pPr lvl="1"/>
-            <a:r>
-              <a:rPr lang="en-US" sz="1600" dirty="0"/>
-              <a:t>It provides “</a:t>
-            </a:r>
-            <a:r>
-              <a:rPr lang="en-US" sz="1600" dirty="0" err="1"/>
-              <a:t>executescript</a:t>
-            </a:r>
-            <a:r>
-              <a:rPr lang="en-US" sz="1600" dirty="0"/>
-              <a:t>” &amp; “</a:t>
-            </a:r>
-            <a:r>
-              <a:rPr lang="en-US" sz="1600" dirty="0" err="1"/>
-              <a:t>executeAsyncScript</a:t>
-            </a:r>
-            <a:r>
-              <a:rPr lang="en-US" sz="1600" dirty="0"/>
-              <a:t>” methods, to run JavaScript in the context of the currently selected frame or window.</a:t>
-            </a:r>
-          </a:p>
-          <a:p>
-            <a:pPr lvl="1"/>
-            <a:endParaRPr lang="en-US" sz="1600" dirty="0"/>
-          </a:p>
-          <a:p>
-            <a:pPr lvl="1"/>
-            <a:endParaRPr lang="en-US" sz="1600" dirty="0"/>
-          </a:p>
-          <a:p>
-            <a:pPr marL="457200" lvl="1" indent="0">
+          <a:bodyPr vert="horz" lIns="91440" tIns="45720" rIns="91440" bIns="45720" rtlCol="0" anchor="ctr">
+            <a:normAutofit lnSpcReduction="10000"/>
+          </a:bodyPr>
+          <a:lstStyle>
+            <a:lvl1pPr algn="l" defTabSz="914377" rtl="0" eaLnBrk="1" latinLnBrk="0" hangingPunct="1">
+              <a:lnSpc>
+                <a:spcPct val="90000"/>
+              </a:lnSpc>
+              <a:spcBef>
+                <a:spcPct val="0"/>
+              </a:spcBef>
               <a:buNone/>
-            </a:pPr>
-            <a:r>
-              <a:rPr lang="en-US" sz="1600" b="1" u="sng" dirty="0"/>
-              <a:t>What we can do with JavaScript Executor in Java?</a:t>
-            </a:r>
-          </a:p>
-          <a:p>
-            <a:pPr lvl="1"/>
-            <a:r>
-              <a:rPr lang="en-US" sz="1600" dirty="0"/>
-              <a:t>Evaluating </a:t>
-            </a:r>
-            <a:r>
-              <a:rPr lang="en-US" sz="1600" dirty="0" err="1"/>
-              <a:t>Xpaths</a:t>
-            </a:r>
-            <a:endParaRPr lang="en-US" sz="1600" dirty="0"/>
-          </a:p>
-          <a:p>
-            <a:pPr lvl="1"/>
-            <a:r>
-              <a:rPr lang="en-US" sz="1600" dirty="0"/>
-              <a:t>Finding Element</a:t>
-            </a:r>
-          </a:p>
-          <a:p>
-            <a:pPr lvl="1"/>
-            <a:r>
-              <a:rPr lang="en-US" sz="1600" dirty="0"/>
-              <a:t>Changing style attribute of the elements</a:t>
-            </a:r>
-          </a:p>
-          <a:p>
-            <a:pPr lvl="1"/>
-            <a:r>
-              <a:rPr lang="en-US" sz="1600" dirty="0"/>
-              <a:t>Getting Element Attributes</a:t>
-            </a:r>
-          </a:p>
-          <a:p>
-            <a:pPr lvl="1"/>
-            <a:r>
-              <a:rPr lang="en-US" sz="1600" dirty="0"/>
-              <a:t>Adding an Element in DOM</a:t>
-            </a:r>
-          </a:p>
-          <a:p>
-            <a:pPr lvl="1"/>
-            <a:r>
-              <a:rPr lang="en-US" sz="1600" dirty="0"/>
-              <a:t>Size of Window</a:t>
-            </a:r>
-          </a:p>
-          <a:p>
-            <a:pPr lvl="1"/>
-            <a:r>
-              <a:rPr lang="en-US" sz="1600" dirty="0"/>
-              <a:t>Click Action</a:t>
-            </a:r>
+              <a:defRPr sz="4400" b="1" kern="1200">
+                <a:solidFill>
+                  <a:schemeClr val="tx1"/>
+                </a:solidFill>
+                <a:latin typeface="Century Gothic" panose="020B0502020202020204" pitchFamily="34" charset="0"/>
+                <a:ea typeface="+mj-ea"/>
+                <a:cs typeface="+mj-cs"/>
+              </a:defRPr>
+            </a:lvl1pPr>
+          </a:lstStyle>
+          <a:p>
+            <a:pPr algn="just"/>
+            <a:endParaRPr lang="en-US" sz="1400" dirty="0"/>
+          </a:p>
+          <a:p>
+            <a:pPr algn="just"/>
+            <a:endParaRPr lang="en-US" sz="1400" dirty="0"/>
+          </a:p>
+          <a:p>
+            <a:pPr algn="just"/>
+            <a:endParaRPr lang="en-US" sz="1400" dirty="0"/>
+          </a:p>
+          <a:p>
+            <a:pPr algn="just"/>
+            <a:endParaRPr lang="en-US" sz="1400" dirty="0"/>
+          </a:p>
+          <a:p>
+            <a:pPr algn="just"/>
+            <a:endParaRPr lang="en-US" sz="1400" dirty="0"/>
+          </a:p>
+          <a:p>
+            <a:pPr algn="just"/>
+            <a:endParaRPr lang="en-US" sz="1400" dirty="0"/>
+          </a:p>
+          <a:p>
+            <a:pPr algn="just"/>
+            <a:endParaRPr lang="en-US" sz="1400" dirty="0"/>
+          </a:p>
+          <a:p>
+            <a:pPr algn="just"/>
+            <a:r>
+              <a:rPr lang="en-US" sz="1400" b="0" dirty="0"/>
+              <a:t>Selenium wait commands instruct the test execution to hold/pause for a certain length of time before executing the next step.</a:t>
+            </a:r>
+          </a:p>
+          <a:p>
+            <a:pPr algn="just"/>
+            <a:endParaRPr lang="en-US" sz="1400" dirty="0"/>
+          </a:p>
+          <a:p>
+            <a:pPr algn="just"/>
+            <a:r>
+              <a:rPr lang="en-US" sz="1400" dirty="0"/>
+              <a:t>Implicit Wait Exceptions:</a:t>
+            </a:r>
+          </a:p>
+          <a:p>
+            <a:pPr algn="just"/>
+            <a:r>
+              <a:rPr lang="en-US" sz="1400" b="0" dirty="0"/>
+              <a:t>Throws a </a:t>
+            </a:r>
+            <a:r>
+              <a:rPr lang="en-US" sz="1400" b="0" dirty="0" err="1"/>
+              <a:t>NoSuchElementException</a:t>
+            </a:r>
+            <a:r>
+              <a:rPr lang="en-US" sz="1400" b="0" dirty="0"/>
+              <a:t> when the element is not present in the DOM</a:t>
+            </a:r>
+          </a:p>
+          <a:p>
+            <a:pPr algn="just"/>
+            <a:r>
+              <a:rPr lang="en-US" sz="1400" b="0" dirty="0"/>
+              <a:t>Throws a </a:t>
+            </a:r>
+            <a:r>
+              <a:rPr lang="en-US" sz="1400" b="0" dirty="0" err="1"/>
+              <a:t>ElementNotVisibleException</a:t>
+            </a:r>
+            <a:r>
+              <a:rPr lang="en-US" sz="1400" b="0" dirty="0"/>
+              <a:t> when element is present in the DOM, however, it is hidden and cannot be interacted with.</a:t>
+            </a:r>
+          </a:p>
+          <a:p>
+            <a:pPr algn="just"/>
+            <a:endParaRPr lang="en-US" sz="1400" dirty="0"/>
+          </a:p>
+          <a:p>
+            <a:pPr algn="just"/>
+            <a:r>
+              <a:rPr lang="en-US" sz="1400" dirty="0"/>
+              <a:t>Explicit Wait Exceptions(Default):</a:t>
+            </a:r>
+          </a:p>
+          <a:p>
+            <a:pPr algn="just"/>
+            <a:r>
+              <a:rPr lang="en-US" sz="1400" b="0" dirty="0"/>
+              <a:t>Throws a </a:t>
+            </a:r>
+            <a:r>
+              <a:rPr lang="en-US" sz="1400" b="0" dirty="0" err="1"/>
+              <a:t>WebDriverTimeoutException</a:t>
+            </a:r>
+            <a:r>
+              <a:rPr lang="en-US" sz="1400" b="0" dirty="0"/>
+              <a:t>, depending on our expected condition</a:t>
+            </a:r>
+          </a:p>
+          <a:p>
+            <a:pPr algn="just"/>
+            <a:endParaRPr lang="en-US" sz="1400" dirty="0"/>
+          </a:p>
+          <a:p>
+            <a:pPr algn="just"/>
+            <a:r>
+              <a:rPr lang="en-US" sz="1400" b="0" dirty="0"/>
+              <a:t>Implicit Default Timeout (sec) – 0</a:t>
+            </a:r>
+          </a:p>
+          <a:p>
+            <a:pPr algn="just"/>
+            <a:r>
+              <a:rPr lang="en-US" sz="1400" b="0" dirty="0"/>
+              <a:t>Explicit Default Timeout (sec) – .5</a:t>
+            </a:r>
+          </a:p>
+          <a:p>
+            <a:pPr algn="just"/>
+            <a:endParaRPr lang="en-US" sz="1400" dirty="0"/>
+          </a:p>
+          <a:p>
+            <a:pPr algn="just"/>
+            <a:endParaRPr lang="en-US" sz="1400" dirty="0"/>
+          </a:p>
+          <a:p>
+            <a:pPr algn="just"/>
+            <a:endParaRPr lang="en-US" sz="1400" dirty="0"/>
+          </a:p>
+          <a:p>
+            <a:pPr algn="just"/>
+            <a:endParaRPr lang="en-US" sz="1400" dirty="0"/>
+          </a:p>
+          <a:p>
+            <a:pPr algn="just"/>
+            <a:endParaRPr lang="en-US" sz="1400" dirty="0"/>
+          </a:p>
+          <a:p>
+            <a:pPr algn="just"/>
+            <a:endParaRPr lang="en-US" sz="1400" dirty="0"/>
+          </a:p>
+          <a:p>
+            <a:pPr algn="just"/>
+            <a:endParaRPr lang="en-US" sz="1400" dirty="0"/>
+          </a:p>
+          <a:p>
+            <a:pPr algn="just"/>
+            <a:endParaRPr lang="en-US" sz="1400" dirty="0"/>
+          </a:p>
+          <a:p>
+            <a:pPr algn="just"/>
+            <a:endParaRPr lang="en-US" sz="1400" dirty="0"/>
+          </a:p>
+          <a:p>
+            <a:pPr algn="just"/>
+            <a:endParaRPr lang="en-US" sz="1400" dirty="0"/>
+          </a:p>
+          <a:p>
+            <a:pPr algn="just"/>
+            <a:endParaRPr lang="en-US" sz="1400" dirty="0"/>
+          </a:p>
+          <a:p>
+            <a:pPr algn="just"/>
+            <a:endParaRPr lang="en-US" sz="1400" dirty="0"/>
+          </a:p>
+          <a:p>
+            <a:pPr algn="just"/>
+            <a:endParaRPr lang="en-US" sz="1400" dirty="0"/>
           </a:p>
         </p:txBody>
       </p:sp>
     </p:spTree>
     <p:extLst>
       <p:ext uri="{BB962C8B-B14F-4D97-AF65-F5344CB8AC3E}">
-        <p14:creationId xmlns:p14="http://schemas.microsoft.com/office/powerpoint/2010/main" val="1633420102"/>
+        <p14:creationId xmlns:p14="http://schemas.microsoft.com/office/powerpoint/2010/main" val="3225184857"/>
       </p:ext>
     </p:extLst>
   </p:cSld>
@@ -16914,6 +17742,336 @@
           <p:cNvPr id="2" name="Title 1">
             <a:extLst>
               <a:ext uri="{FF2B5EF4-FFF2-40B4-BE49-F238E27FC236}">
+                <a16:creationId xmlns:a16="http://schemas.microsoft.com/office/drawing/2014/main" id="{D2F6E325-5FC5-491F-90DA-B8BB25682FA8}"/>
+              </a:ext>
+            </a:extLst>
+          </p:cNvPr>
+          <p:cNvSpPr>
+            <a:spLocks noGrp="1"/>
+          </p:cNvSpPr>
+          <p:nvPr>
+            <p:ph type="title"/>
+          </p:nvPr>
+        </p:nvSpPr>
+        <p:spPr/>
+        <p:txBody>
+          <a:bodyPr/>
+          <a:lstStyle/>
+          <a:p>
+            <a:r>
+              <a:rPr lang="en-US" dirty="0" err="1"/>
+              <a:t>lkm</a:t>
+            </a:r>
+            <a:endParaRPr lang="en-US" dirty="0"/>
+          </a:p>
+        </p:txBody>
+      </p:sp>
+      <p:sp>
+        <p:nvSpPr>
+          <p:cNvPr id="3" name="Title 1">
+            <a:extLst>
+              <a:ext uri="{FF2B5EF4-FFF2-40B4-BE49-F238E27FC236}">
+                <a16:creationId xmlns:a16="http://schemas.microsoft.com/office/drawing/2014/main" id="{447F9A32-2A97-434A-A85B-A9BF504AFA90}"/>
+              </a:ext>
+            </a:extLst>
+          </p:cNvPr>
+          <p:cNvSpPr txBox="1">
+            <a:spLocks/>
+          </p:cNvSpPr>
+          <p:nvPr/>
+        </p:nvSpPr>
+        <p:spPr>
+          <a:xfrm>
+            <a:off x="642677" y="2725721"/>
+            <a:ext cx="10248899" cy="703279"/>
+          </a:xfrm>
+          <a:prstGeom prst="rect">
+            <a:avLst/>
+          </a:prstGeom>
+        </p:spPr>
+        <p:txBody>
+          <a:bodyPr vert="horz" lIns="91440" tIns="45720" rIns="91440" bIns="45720" rtlCol="0" anchor="ctr">
+            <a:normAutofit/>
+          </a:bodyPr>
+          <a:lstStyle>
+            <a:lvl1pPr algn="l" defTabSz="914377" rtl="0" eaLnBrk="1" latinLnBrk="0" hangingPunct="1">
+              <a:lnSpc>
+                <a:spcPct val="90000"/>
+              </a:lnSpc>
+              <a:spcBef>
+                <a:spcPct val="0"/>
+              </a:spcBef>
+              <a:buNone/>
+              <a:defRPr sz="4400" b="1" kern="1200">
+                <a:solidFill>
+                  <a:schemeClr val="tx1"/>
+                </a:solidFill>
+                <a:latin typeface="Century Gothic" panose="020B0502020202020204" pitchFamily="34" charset="0"/>
+                <a:ea typeface="+mj-ea"/>
+                <a:cs typeface="+mj-cs"/>
+              </a:defRPr>
+            </a:lvl1pPr>
+          </a:lstStyle>
+          <a:p>
+            <a:r>
+              <a:rPr lang="en-US" dirty="0" err="1"/>
+              <a:t>lkm</a:t>
+            </a:r>
+            <a:endParaRPr lang="en-US" dirty="0"/>
+          </a:p>
+        </p:txBody>
+      </p:sp>
+    </p:spTree>
+    <p:extLst>
+      <p:ext uri="{BB962C8B-B14F-4D97-AF65-F5344CB8AC3E}">
+        <p14:creationId xmlns:p14="http://schemas.microsoft.com/office/powerpoint/2010/main" val="2686220545"/>
+      </p:ext>
+    </p:extLst>
+  </p:cSld>
+  <p:clrMapOvr>
+    <a:masterClrMapping/>
+  </p:clrMapOvr>
+</p:sld>
+</file>
+
+<file path=ppt/slides/slide16.xml><?xml version="1.0" encoding="utf-8"?>
+<p:sld xmlns:a="http://schemas.openxmlformats.org/drawingml/2006/main" xmlns:r="http://schemas.openxmlformats.org/officeDocument/2006/relationships" xmlns:p="http://schemas.openxmlformats.org/presentationml/2006/main">
+  <p:cSld>
+    <p:spTree>
+      <p:nvGrpSpPr>
+        <p:cNvPr id="1" name=""/>
+        <p:cNvGrpSpPr/>
+        <p:nvPr/>
+      </p:nvGrpSpPr>
+      <p:grpSpPr>
+        <a:xfrm>
+          <a:off x="0" y="0"/>
+          <a:ext cx="0" cy="0"/>
+          <a:chOff x="0" y="0"/>
+          <a:chExt cx="0" cy="0"/>
+        </a:xfrm>
+      </p:grpSpPr>
+      <p:sp>
+        <p:nvSpPr>
+          <p:cNvPr id="2" name="Title 1">
+            <a:extLst>
+              <a:ext uri="{FF2B5EF4-FFF2-40B4-BE49-F238E27FC236}">
+                <a16:creationId xmlns:a16="http://schemas.microsoft.com/office/drawing/2014/main" id="{AF8EBD91-5E0B-498F-BC12-89E256B53B00}"/>
+              </a:ext>
+            </a:extLst>
+          </p:cNvPr>
+          <p:cNvSpPr>
+            <a:spLocks noGrp="1"/>
+          </p:cNvSpPr>
+          <p:nvPr>
+            <p:ph type="title"/>
+          </p:nvPr>
+        </p:nvSpPr>
+        <p:spPr/>
+        <p:txBody>
+          <a:bodyPr/>
+          <a:lstStyle/>
+          <a:p>
+            <a:r>
+              <a:rPr lang="en-AU" dirty="0" err="1"/>
+              <a:t>Javascript</a:t>
+            </a:r>
+            <a:r>
+              <a:rPr lang="en-AU" dirty="0"/>
+              <a:t> executor and Selenium</a:t>
+            </a:r>
+          </a:p>
+        </p:txBody>
+      </p:sp>
+      <p:sp>
+        <p:nvSpPr>
+          <p:cNvPr id="3" name="Content Placeholder 2">
+            <a:extLst>
+              <a:ext uri="{FF2B5EF4-FFF2-40B4-BE49-F238E27FC236}">
+                <a16:creationId xmlns:a16="http://schemas.microsoft.com/office/drawing/2014/main" id="{58A7397D-B350-4FD2-A2E3-F5A22BB58F68}"/>
+              </a:ext>
+            </a:extLst>
+          </p:cNvPr>
+          <p:cNvSpPr>
+            <a:spLocks noGrp="1"/>
+          </p:cNvSpPr>
+          <p:nvPr>
+            <p:ph idx="4294967295"/>
+          </p:nvPr>
+        </p:nvSpPr>
+        <p:spPr>
+          <a:xfrm>
+            <a:off x="981075" y="1635125"/>
+            <a:ext cx="10515600" cy="4351338"/>
+          </a:xfrm>
+        </p:spPr>
+        <p:txBody>
+          <a:bodyPr/>
+          <a:lstStyle/>
+          <a:p>
+            <a:r>
+              <a:rPr lang="en-US" sz="1600" dirty="0"/>
+              <a:t>What is </a:t>
+            </a:r>
+            <a:r>
+              <a:rPr lang="en-US" sz="1600" dirty="0" err="1"/>
+              <a:t>JavaScriptExecutor</a:t>
+            </a:r>
+            <a:r>
+              <a:rPr lang="en-US" sz="1600" dirty="0"/>
+              <a:t>?</a:t>
+            </a:r>
+          </a:p>
+          <a:p>
+            <a:pPr lvl="1"/>
+            <a:r>
+              <a:rPr lang="en-US" sz="1600" dirty="0" err="1"/>
+              <a:t>JavaScriptExecutor</a:t>
+            </a:r>
+            <a:r>
+              <a:rPr lang="en-US" sz="1600" dirty="0"/>
+              <a:t> is an interface that provides a mechanism to execute </a:t>
+            </a:r>
+            <a:r>
+              <a:rPr lang="en-US" sz="1600" dirty="0" err="1"/>
+              <a:t>Javascript</a:t>
+            </a:r>
+            <a:r>
+              <a:rPr lang="en-US" sz="1600" dirty="0"/>
+              <a:t> through selenium driver. </a:t>
+            </a:r>
+          </a:p>
+          <a:p>
+            <a:pPr lvl="1"/>
+            <a:r>
+              <a:rPr lang="en-US" sz="1600" dirty="0"/>
+              <a:t>It provides “</a:t>
+            </a:r>
+            <a:r>
+              <a:rPr lang="en-US" sz="1600" dirty="0" err="1"/>
+              <a:t>executescript</a:t>
+            </a:r>
+            <a:r>
+              <a:rPr lang="en-US" sz="1600" dirty="0"/>
+              <a:t>” &amp; “</a:t>
+            </a:r>
+            <a:r>
+              <a:rPr lang="en-US" sz="1600" dirty="0" err="1"/>
+              <a:t>executeAsyncScript</a:t>
+            </a:r>
+            <a:r>
+              <a:rPr lang="en-US" sz="1600" dirty="0"/>
+              <a:t>” methods, to run JavaScript in the context of the currently selected frame or window.</a:t>
+            </a:r>
+          </a:p>
+          <a:p>
+            <a:pPr lvl="1"/>
+            <a:endParaRPr lang="en-US" sz="1600" dirty="0"/>
+          </a:p>
+          <a:p>
+            <a:pPr lvl="1"/>
+            <a:endParaRPr lang="en-US" sz="1600" dirty="0"/>
+          </a:p>
+          <a:p>
+            <a:pPr marL="457200" lvl="1" indent="0">
+              <a:buNone/>
+            </a:pPr>
+            <a:r>
+              <a:rPr lang="en-US" sz="1600" b="1" u="sng" dirty="0"/>
+              <a:t>What we can do with JavaScript Executor in Java?</a:t>
+            </a:r>
+          </a:p>
+          <a:p>
+            <a:pPr lvl="1"/>
+            <a:r>
+              <a:rPr lang="en-US" sz="1600" dirty="0"/>
+              <a:t>Evaluating </a:t>
+            </a:r>
+            <a:r>
+              <a:rPr lang="en-US" sz="1600" dirty="0" err="1"/>
+              <a:t>Xpaths</a:t>
+            </a:r>
+            <a:endParaRPr lang="en-US" sz="1600" dirty="0"/>
+          </a:p>
+          <a:p>
+            <a:pPr lvl="1"/>
+            <a:r>
+              <a:rPr lang="en-US" sz="1600" dirty="0"/>
+              <a:t>Finding Element</a:t>
+            </a:r>
+          </a:p>
+          <a:p>
+            <a:pPr lvl="1"/>
+            <a:r>
+              <a:rPr lang="en-US" sz="1600" dirty="0"/>
+              <a:t>Changing style attribute of the elements</a:t>
+            </a:r>
+          </a:p>
+          <a:p>
+            <a:pPr lvl="1"/>
+            <a:r>
+              <a:rPr lang="en-US" sz="1600" dirty="0"/>
+              <a:t>Getting Element Attributes</a:t>
+            </a:r>
+          </a:p>
+          <a:p>
+            <a:pPr lvl="1"/>
+            <a:r>
+              <a:rPr lang="en-US" sz="1600" dirty="0"/>
+              <a:t>Adding an Element in DOM</a:t>
+            </a:r>
+          </a:p>
+          <a:p>
+            <a:pPr lvl="1"/>
+            <a:r>
+              <a:rPr lang="en-US" sz="1600" dirty="0"/>
+              <a:t>Size of Window</a:t>
+            </a:r>
+          </a:p>
+          <a:p>
+            <a:pPr lvl="1"/>
+            <a:r>
+              <a:rPr lang="en-US" sz="1600" dirty="0"/>
+              <a:t>Click Action</a:t>
+            </a:r>
+          </a:p>
+        </p:txBody>
+      </p:sp>
+    </p:spTree>
+    <p:extLst>
+      <p:ext uri="{BB962C8B-B14F-4D97-AF65-F5344CB8AC3E}">
+        <p14:creationId xmlns:p14="http://schemas.microsoft.com/office/powerpoint/2010/main" val="1633420102"/>
+      </p:ext>
+    </p:extLst>
+  </p:cSld>
+  <p:clrMapOvr>
+    <a:masterClrMapping/>
+  </p:clrMapOvr>
+</p:sld>
+</file>
+
+<file path=ppt/slides/slide17.xml><?xml version="1.0" encoding="utf-8"?>
+<p:sld xmlns:a="http://schemas.openxmlformats.org/drawingml/2006/main" xmlns:r="http://schemas.openxmlformats.org/officeDocument/2006/relationships" xmlns:p="http://schemas.openxmlformats.org/presentationml/2006/main">
+  <p:cSld>
+    <p:spTree>
+      <p:nvGrpSpPr>
+        <p:cNvPr id="1" name=""/>
+        <p:cNvGrpSpPr/>
+        <p:nvPr/>
+      </p:nvGrpSpPr>
+      <p:grpSpPr>
+        <a:xfrm>
+          <a:off x="0" y="0"/>
+          <a:ext cx="0" cy="0"/>
+          <a:chOff x="0" y="0"/>
+          <a:chExt cx="0" cy="0"/>
+        </a:xfrm>
+      </p:grpSpPr>
+      <p:sp>
+        <p:nvSpPr>
+          <p:cNvPr id="2" name="Title 1">
+            <a:extLst>
+              <a:ext uri="{FF2B5EF4-FFF2-40B4-BE49-F238E27FC236}">
                 <a16:creationId xmlns:a16="http://schemas.microsoft.com/office/drawing/2014/main" id="{FBE8C143-4F55-4F40-985B-FB9C7A48F90B}"/>
               </a:ext>
             </a:extLst>
@@ -17063,7 +18221,7 @@
 </p:sld>
 </file>
 
-<file path=ppt/slides/slide16.xml><?xml version="1.0" encoding="utf-8"?>
+<file path=ppt/slides/slide18.xml><?xml version="1.0" encoding="utf-8"?>
 <p:sld xmlns:a="http://schemas.openxmlformats.org/drawingml/2006/main" xmlns:r="http://schemas.openxmlformats.org/officeDocument/2006/relationships" xmlns:p="http://schemas.openxmlformats.org/presentationml/2006/main">
   <p:cSld>
     <p:bg>
@@ -17261,7 +18419,7 @@
 </p:sld>
 </file>
 
-<file path=ppt/slides/slide17.xml><?xml version="1.0" encoding="utf-8"?>
+<file path=ppt/slides/slide19.xml><?xml version="1.0" encoding="utf-8"?>
 <p:sld xmlns:a="http://schemas.openxmlformats.org/drawingml/2006/main" xmlns:r="http://schemas.openxmlformats.org/officeDocument/2006/relationships" xmlns:p="http://schemas.openxmlformats.org/presentationml/2006/main">
   <p:cSld>
     <p:bg>
@@ -17460,64 +18618,6 @@
 </p:sld>
 </file>
 
-<file path=ppt/slides/slide18.xml><?xml version="1.0" encoding="utf-8"?>
-<p:sld xmlns:a="http://schemas.openxmlformats.org/drawingml/2006/main" xmlns:r="http://schemas.openxmlformats.org/officeDocument/2006/relationships" xmlns:p="http://schemas.openxmlformats.org/presentationml/2006/main">
-  <p:cSld>
-    <p:spTree>
-      <p:nvGrpSpPr>
-        <p:cNvPr id="1" name=""/>
-        <p:cNvGrpSpPr/>
-        <p:nvPr/>
-      </p:nvGrpSpPr>
-      <p:grpSpPr>
-        <a:xfrm>
-          <a:off x="0" y="0"/>
-          <a:ext cx="0" cy="0"/>
-          <a:chOff x="0" y="0"/>
-          <a:chExt cx="0" cy="0"/>
-        </a:xfrm>
-      </p:grpSpPr>
-      <p:sp>
-        <p:nvSpPr>
-          <p:cNvPr id="2" name="Title 1">
-            <a:extLst>
-              <a:ext uri="{FF2B5EF4-FFF2-40B4-BE49-F238E27FC236}">
-                <a16:creationId xmlns:a16="http://schemas.microsoft.com/office/drawing/2014/main" id="{8E87240F-96DD-4A20-A56F-ADE4EC245857}"/>
-              </a:ext>
-            </a:extLst>
-          </p:cNvPr>
-          <p:cNvSpPr>
-            <a:spLocks noGrp="1"/>
-          </p:cNvSpPr>
-          <p:nvPr>
-            <p:ph type="title"/>
-          </p:nvPr>
-        </p:nvSpPr>
-        <p:spPr/>
-        <p:txBody>
-          <a:bodyPr/>
-          <a:lstStyle/>
-          <a:p>
-            <a:r>
-              <a:rPr lang="en-AU" dirty="0"/>
-              <a:t>Q&amp;A</a:t>
-            </a:r>
-          </a:p>
-        </p:txBody>
-      </p:sp>
-    </p:spTree>
-    <p:extLst>
-      <p:ext uri="{BB962C8B-B14F-4D97-AF65-F5344CB8AC3E}">
-        <p14:creationId xmlns:p14="http://schemas.microsoft.com/office/powerpoint/2010/main" val="2109155298"/>
-      </p:ext>
-    </p:extLst>
-  </p:cSld>
-  <p:clrMapOvr>
-    <a:masterClrMapping/>
-  </p:clrMapOvr>
-</p:sld>
-</file>
-
 <file path=ppt/slides/slide2.xml><?xml version="1.0" encoding="utf-8"?>
 <p:sld xmlns:a="http://schemas.openxmlformats.org/drawingml/2006/main" xmlns:r="http://schemas.openxmlformats.org/officeDocument/2006/relationships" xmlns:p="http://schemas.openxmlformats.org/presentationml/2006/main">
   <p:cSld>
@@ -18112,6 +19212,64 @@
     <p:extLst>
       <p:ext uri="{BB962C8B-B14F-4D97-AF65-F5344CB8AC3E}">
         <p14:creationId xmlns:p14="http://schemas.microsoft.com/office/powerpoint/2010/main" val="1059258696"/>
+      </p:ext>
+    </p:extLst>
+  </p:cSld>
+  <p:clrMapOvr>
+    <a:masterClrMapping/>
+  </p:clrMapOvr>
+</p:sld>
+</file>
+
+<file path=ppt/slides/slide20.xml><?xml version="1.0" encoding="utf-8"?>
+<p:sld xmlns:a="http://schemas.openxmlformats.org/drawingml/2006/main" xmlns:r="http://schemas.openxmlformats.org/officeDocument/2006/relationships" xmlns:p="http://schemas.openxmlformats.org/presentationml/2006/main">
+  <p:cSld>
+    <p:spTree>
+      <p:nvGrpSpPr>
+        <p:cNvPr id="1" name=""/>
+        <p:cNvGrpSpPr/>
+        <p:nvPr/>
+      </p:nvGrpSpPr>
+      <p:grpSpPr>
+        <a:xfrm>
+          <a:off x="0" y="0"/>
+          <a:ext cx="0" cy="0"/>
+          <a:chOff x="0" y="0"/>
+          <a:chExt cx="0" cy="0"/>
+        </a:xfrm>
+      </p:grpSpPr>
+      <p:sp>
+        <p:nvSpPr>
+          <p:cNvPr id="2" name="Title 1">
+            <a:extLst>
+              <a:ext uri="{FF2B5EF4-FFF2-40B4-BE49-F238E27FC236}">
+                <a16:creationId xmlns:a16="http://schemas.microsoft.com/office/drawing/2014/main" id="{8E87240F-96DD-4A20-A56F-ADE4EC245857}"/>
+              </a:ext>
+            </a:extLst>
+          </p:cNvPr>
+          <p:cNvSpPr>
+            <a:spLocks noGrp="1"/>
+          </p:cNvSpPr>
+          <p:nvPr>
+            <p:ph type="title"/>
+          </p:nvPr>
+        </p:nvSpPr>
+        <p:spPr/>
+        <p:txBody>
+          <a:bodyPr/>
+          <a:lstStyle/>
+          <a:p>
+            <a:r>
+              <a:rPr lang="en-AU" dirty="0"/>
+              <a:t>Q&amp;A</a:t>
+            </a:r>
+          </a:p>
+        </p:txBody>
+      </p:sp>
+    </p:spTree>
+    <p:extLst>
+      <p:ext uri="{BB962C8B-B14F-4D97-AF65-F5344CB8AC3E}">
+        <p14:creationId xmlns:p14="http://schemas.microsoft.com/office/powerpoint/2010/main" val="2109155298"/>
       </p:ext>
     </p:extLst>
   </p:cSld>
@@ -22022,7 +23180,7 @@
             <a:prstDash val="dash"/>
             <a:extLst>
               <a:ext uri="{C807C97D-BFC1-408E-A445-0C87EB9F89A2}">
-                <ask:lineSketchStyleProps xmlns:ask="http://schemas.microsoft.com/office/drawing/2018/sketchyshapes" xmlns="" sd="1219033472">
+                <ask:lineSketchStyleProps xmlns="" xmlns:ask="http://schemas.microsoft.com/office/drawing/2018/sketchyshapes" sd="1219033472">
                   <a:prstGeom prst="roundRect">
                     <a:avLst>
                       <a:gd name="adj" fmla="val 8218"/>

--- a/Selenium/Pragra_Selenium_Draft.pptx
+++ b/Selenium/Pragra_Selenium_Draft.pptx
@@ -5,7 +5,7 @@
     <p:sldMasterId id="2147483660" r:id="rId1"/>
   </p:sldMasterIdLst>
   <p:notesMasterIdLst>
-    <p:notesMasterId r:id="rId22"/>
+    <p:notesMasterId r:id="rId20"/>
   </p:notesMasterIdLst>
   <p:sldIdLst>
     <p:sldId id="526" r:id="rId2"/>
@@ -20,14 +20,12 @@
     <p:sldId id="264" r:id="rId11"/>
     <p:sldId id="275" r:id="rId12"/>
     <p:sldId id="265" r:id="rId13"/>
-    <p:sldId id="528" r:id="rId14"/>
-    <p:sldId id="529" r:id="rId15"/>
-    <p:sldId id="530" r:id="rId16"/>
-    <p:sldId id="266" r:id="rId17"/>
-    <p:sldId id="267" r:id="rId18"/>
-    <p:sldId id="268" r:id="rId19"/>
-    <p:sldId id="279" r:id="rId20"/>
-    <p:sldId id="278" r:id="rId21"/>
+    <p:sldId id="529" r:id="rId14"/>
+    <p:sldId id="266" r:id="rId15"/>
+    <p:sldId id="267" r:id="rId16"/>
+    <p:sldId id="268" r:id="rId17"/>
+    <p:sldId id="279" r:id="rId18"/>
+    <p:sldId id="278" r:id="rId19"/>
   </p:sldIdLst>
   <p:sldSz cx="12192000" cy="6858000"/>
   <p:notesSz cx="6858000" cy="9144000"/>
@@ -146,9 +144,7 @@
             <p14:sldId id="264"/>
             <p14:sldId id="275"/>
             <p14:sldId id="265"/>
-            <p14:sldId id="528"/>
             <p14:sldId id="529"/>
-            <p14:sldId id="530"/>
             <p14:sldId id="266"/>
             <p14:sldId id="267"/>
             <p14:sldId id="268"/>
@@ -16468,533 +16464,6 @@
           <p:cNvPr id="2" name="Title 1">
             <a:extLst>
               <a:ext uri="{FF2B5EF4-FFF2-40B4-BE49-F238E27FC236}">
-                <a16:creationId xmlns:a16="http://schemas.microsoft.com/office/drawing/2014/main" id="{FF2E1193-9E9F-4698-987A-34A94488DFC6}"/>
-              </a:ext>
-            </a:extLst>
-          </p:cNvPr>
-          <p:cNvSpPr>
-            <a:spLocks noGrp="1"/>
-          </p:cNvSpPr>
-          <p:nvPr>
-            <p:ph type="title"/>
-          </p:nvPr>
-        </p:nvSpPr>
-        <p:spPr/>
-        <p:txBody>
-          <a:bodyPr/>
-          <a:lstStyle/>
-          <a:p>
-            <a:r>
-              <a:rPr lang="en-US" dirty="0"/>
-              <a:t>Waits</a:t>
-            </a:r>
-          </a:p>
-        </p:txBody>
-      </p:sp>
-      <p:sp>
-        <p:nvSpPr>
-          <p:cNvPr id="3" name="Rectangle: Rounded Corners 2">
-            <a:extLst>
-              <a:ext uri="{FF2B5EF4-FFF2-40B4-BE49-F238E27FC236}">
-                <a16:creationId xmlns:a16="http://schemas.microsoft.com/office/drawing/2014/main" id="{B19D3E3D-C79B-4756-96CB-AB19643E4480}"/>
-              </a:ext>
-            </a:extLst>
-          </p:cNvPr>
-          <p:cNvSpPr/>
-          <p:nvPr/>
-        </p:nvSpPr>
-        <p:spPr>
-          <a:xfrm>
-            <a:off x="4891923" y="2129752"/>
-            <a:ext cx="1552281" cy="961535"/>
-          </a:xfrm>
-          <a:prstGeom prst="roundRect">
-            <a:avLst/>
-          </a:prstGeom>
-        </p:spPr>
-        <p:style>
-          <a:lnRef idx="2">
-            <a:schemeClr val="accent1">
-              <a:shade val="50000"/>
-            </a:schemeClr>
-          </a:lnRef>
-          <a:fillRef idx="1">
-            <a:schemeClr val="accent1"/>
-          </a:fillRef>
-          <a:effectRef idx="0">
-            <a:schemeClr val="accent1"/>
-          </a:effectRef>
-          <a:fontRef idx="minor">
-            <a:schemeClr val="lt1"/>
-          </a:fontRef>
-        </p:style>
-        <p:txBody>
-          <a:bodyPr rtlCol="0" anchor="ctr"/>
-          <a:lstStyle/>
-          <a:p>
-            <a:pPr algn="ctr"/>
-            <a:r>
-              <a:rPr lang="en-US" dirty="0"/>
-              <a:t>Implicit Wait</a:t>
-            </a:r>
-          </a:p>
-        </p:txBody>
-      </p:sp>
-      <p:sp>
-        <p:nvSpPr>
-          <p:cNvPr id="4" name="Rectangle: Rounded Corners 3">
-            <a:extLst>
-              <a:ext uri="{FF2B5EF4-FFF2-40B4-BE49-F238E27FC236}">
-                <a16:creationId xmlns:a16="http://schemas.microsoft.com/office/drawing/2014/main" id="{21700FC5-B50E-4A74-BAC0-9F8ECA173D9E}"/>
-              </a:ext>
-            </a:extLst>
-          </p:cNvPr>
-          <p:cNvSpPr/>
-          <p:nvPr/>
-        </p:nvSpPr>
-        <p:spPr>
-          <a:xfrm>
-            <a:off x="4888584" y="4882442"/>
-            <a:ext cx="1568777" cy="873616"/>
-          </a:xfrm>
-          <a:prstGeom prst="roundRect">
-            <a:avLst/>
-          </a:prstGeom>
-        </p:spPr>
-        <p:style>
-          <a:lnRef idx="2">
-            <a:schemeClr val="accent1">
-              <a:shade val="50000"/>
-            </a:schemeClr>
-          </a:lnRef>
-          <a:fillRef idx="1">
-            <a:schemeClr val="accent1"/>
-          </a:fillRef>
-          <a:effectRef idx="0">
-            <a:schemeClr val="accent1"/>
-          </a:effectRef>
-          <a:fontRef idx="minor">
-            <a:schemeClr val="lt1"/>
-          </a:fontRef>
-        </p:style>
-        <p:txBody>
-          <a:bodyPr rtlCol="0" anchor="ctr"/>
-          <a:lstStyle/>
-          <a:p>
-            <a:pPr algn="ctr"/>
-            <a:r>
-              <a:rPr lang="en-US" dirty="0"/>
-              <a:t>Explicit Wait</a:t>
-            </a:r>
-          </a:p>
-        </p:txBody>
-      </p:sp>
-      <p:sp>
-        <p:nvSpPr>
-          <p:cNvPr id="5" name="Rectangle: Rounded Corners 4">
-            <a:extLst>
-              <a:ext uri="{FF2B5EF4-FFF2-40B4-BE49-F238E27FC236}">
-                <a16:creationId xmlns:a16="http://schemas.microsoft.com/office/drawing/2014/main" id="{03B3BA96-CED3-4A61-BBFA-4EA366E6B0EC}"/>
-              </a:ext>
-            </a:extLst>
-          </p:cNvPr>
-          <p:cNvSpPr/>
-          <p:nvPr/>
-        </p:nvSpPr>
-        <p:spPr>
-          <a:xfrm>
-            <a:off x="7258640" y="1930589"/>
-            <a:ext cx="2089607" cy="480767"/>
-          </a:xfrm>
-          <a:prstGeom prst="roundRect">
-            <a:avLst/>
-          </a:prstGeom>
-        </p:spPr>
-        <p:style>
-          <a:lnRef idx="2">
-            <a:schemeClr val="accent1">
-              <a:shade val="50000"/>
-            </a:schemeClr>
-          </a:lnRef>
-          <a:fillRef idx="1">
-            <a:schemeClr val="accent1"/>
-          </a:fillRef>
-          <a:effectRef idx="0">
-            <a:schemeClr val="accent1"/>
-          </a:effectRef>
-          <a:fontRef idx="minor">
-            <a:schemeClr val="lt1"/>
-          </a:fontRef>
-        </p:style>
-        <p:txBody>
-          <a:bodyPr rtlCol="0" anchor="ctr"/>
-          <a:lstStyle/>
-          <a:p>
-            <a:pPr algn="ctr"/>
-            <a:r>
-              <a:rPr lang="en-US" dirty="0" err="1"/>
-              <a:t>PageLoadTimeout</a:t>
-            </a:r>
-            <a:endParaRPr lang="en-US" dirty="0"/>
-          </a:p>
-        </p:txBody>
-      </p:sp>
-      <p:sp>
-        <p:nvSpPr>
-          <p:cNvPr id="8" name="Rectangle: Rounded Corners 7">
-            <a:extLst>
-              <a:ext uri="{FF2B5EF4-FFF2-40B4-BE49-F238E27FC236}">
-                <a16:creationId xmlns:a16="http://schemas.microsoft.com/office/drawing/2014/main" id="{D5B7F844-E60A-4830-A6D0-526712AC1B32}"/>
-              </a:ext>
-            </a:extLst>
-          </p:cNvPr>
-          <p:cNvSpPr/>
-          <p:nvPr/>
-        </p:nvSpPr>
-        <p:spPr>
-          <a:xfrm>
-            <a:off x="7258639" y="2631314"/>
-            <a:ext cx="2089608" cy="507510"/>
-          </a:xfrm>
-          <a:prstGeom prst="roundRect">
-            <a:avLst/>
-          </a:prstGeom>
-        </p:spPr>
-        <p:style>
-          <a:lnRef idx="2">
-            <a:schemeClr val="accent1">
-              <a:shade val="50000"/>
-            </a:schemeClr>
-          </a:lnRef>
-          <a:fillRef idx="1">
-            <a:schemeClr val="accent1"/>
-          </a:fillRef>
-          <a:effectRef idx="0">
-            <a:schemeClr val="accent1"/>
-          </a:effectRef>
-          <a:fontRef idx="minor">
-            <a:schemeClr val="lt1"/>
-          </a:fontRef>
-        </p:style>
-        <p:txBody>
-          <a:bodyPr rtlCol="0" anchor="ctr"/>
-          <a:lstStyle/>
-          <a:p>
-            <a:pPr algn="ctr"/>
-            <a:r>
-              <a:rPr lang="en-US" dirty="0" err="1"/>
-              <a:t>setScriptTimeout</a:t>
-            </a:r>
-            <a:endParaRPr lang="en-US" dirty="0"/>
-          </a:p>
-        </p:txBody>
-      </p:sp>
-      <p:sp>
-        <p:nvSpPr>
-          <p:cNvPr id="9" name="Rectangle: Rounded Corners 8">
-            <a:extLst>
-              <a:ext uri="{FF2B5EF4-FFF2-40B4-BE49-F238E27FC236}">
-                <a16:creationId xmlns:a16="http://schemas.microsoft.com/office/drawing/2014/main" id="{429AD1EC-F2F3-43EB-A20D-2DE304D7DCFB}"/>
-              </a:ext>
-            </a:extLst>
-          </p:cNvPr>
-          <p:cNvSpPr/>
-          <p:nvPr/>
-        </p:nvSpPr>
-        <p:spPr>
-          <a:xfrm>
-            <a:off x="7251596" y="4667460"/>
-            <a:ext cx="2089608" cy="519950"/>
-          </a:xfrm>
-          <a:prstGeom prst="roundRect">
-            <a:avLst/>
-          </a:prstGeom>
-        </p:spPr>
-        <p:style>
-          <a:lnRef idx="2">
-            <a:schemeClr val="accent1">
-              <a:shade val="50000"/>
-            </a:schemeClr>
-          </a:lnRef>
-          <a:fillRef idx="1">
-            <a:schemeClr val="accent1"/>
-          </a:fillRef>
-          <a:effectRef idx="0">
-            <a:schemeClr val="accent1"/>
-          </a:effectRef>
-          <a:fontRef idx="minor">
-            <a:schemeClr val="lt1"/>
-          </a:fontRef>
-        </p:style>
-        <p:txBody>
-          <a:bodyPr rtlCol="0" anchor="ctr"/>
-          <a:lstStyle/>
-          <a:p>
-            <a:pPr algn="ctr"/>
-            <a:r>
-              <a:rPr lang="en-US" sz="1600" dirty="0"/>
-              <a:t>Expected conditions</a:t>
-            </a:r>
-          </a:p>
-        </p:txBody>
-      </p:sp>
-      <p:sp>
-        <p:nvSpPr>
-          <p:cNvPr id="10" name="Rectangle: Rounded Corners 9">
-            <a:extLst>
-              <a:ext uri="{FF2B5EF4-FFF2-40B4-BE49-F238E27FC236}">
-                <a16:creationId xmlns:a16="http://schemas.microsoft.com/office/drawing/2014/main" id="{647B1C89-219D-4C17-BCCC-D7B237AC8F12}"/>
-              </a:ext>
-            </a:extLst>
-          </p:cNvPr>
-          <p:cNvSpPr/>
-          <p:nvPr/>
-        </p:nvSpPr>
-        <p:spPr>
-          <a:xfrm>
-            <a:off x="7258640" y="5406400"/>
-            <a:ext cx="2089608" cy="519951"/>
-          </a:xfrm>
-          <a:prstGeom prst="roundRect">
-            <a:avLst/>
-          </a:prstGeom>
-        </p:spPr>
-        <p:style>
-          <a:lnRef idx="2">
-            <a:schemeClr val="accent1">
-              <a:shade val="50000"/>
-            </a:schemeClr>
-          </a:lnRef>
-          <a:fillRef idx="1">
-            <a:schemeClr val="accent1"/>
-          </a:fillRef>
-          <a:effectRef idx="0">
-            <a:schemeClr val="accent1"/>
-          </a:effectRef>
-          <a:fontRef idx="minor">
-            <a:schemeClr val="lt1"/>
-          </a:fontRef>
-        </p:style>
-        <p:txBody>
-          <a:bodyPr rtlCol="0" anchor="ctr"/>
-          <a:lstStyle/>
-          <a:p>
-            <a:pPr algn="ctr"/>
-            <a:r>
-              <a:rPr lang="en-US" dirty="0" err="1"/>
-              <a:t>Thread.sleep</a:t>
-            </a:r>
-            <a:r>
-              <a:rPr lang="en-US" dirty="0"/>
-              <a:t>()</a:t>
-            </a:r>
-          </a:p>
-        </p:txBody>
-      </p:sp>
-      <p:cxnSp>
-        <p:nvCxnSpPr>
-          <p:cNvPr id="12" name="Connector: Elbow 11">
-            <a:extLst>
-              <a:ext uri="{FF2B5EF4-FFF2-40B4-BE49-F238E27FC236}">
-                <a16:creationId xmlns:a16="http://schemas.microsoft.com/office/drawing/2014/main" id="{0EEFA7FC-9807-42DA-80C9-B44EC971C3F5}"/>
-              </a:ext>
-            </a:extLst>
-          </p:cNvPr>
-          <p:cNvCxnSpPr>
-            <a:cxnSpLocks/>
-          </p:cNvCxnSpPr>
-          <p:nvPr/>
-        </p:nvCxnSpPr>
-        <p:spPr>
-          <a:xfrm flipV="1">
-            <a:off x="6221397" y="2280952"/>
-            <a:ext cx="1037242" cy="285379"/>
-          </a:xfrm>
-          <a:prstGeom prst="bentConnector3">
-            <a:avLst>
-              <a:gd name="adj1" fmla="val 59997"/>
-            </a:avLst>
-          </a:prstGeom>
-          <a:ln>
-            <a:tailEnd type="triangle"/>
-          </a:ln>
-        </p:spPr>
-        <p:style>
-          <a:lnRef idx="1">
-            <a:schemeClr val="accent1"/>
-          </a:lnRef>
-          <a:fillRef idx="0">
-            <a:schemeClr val="accent1"/>
-          </a:fillRef>
-          <a:effectRef idx="0">
-            <a:schemeClr val="accent1"/>
-          </a:effectRef>
-          <a:fontRef idx="minor">
-            <a:schemeClr val="tx1"/>
-          </a:fontRef>
-        </p:style>
-      </p:cxnSp>
-      <p:cxnSp>
-        <p:nvCxnSpPr>
-          <p:cNvPr id="13" name="Connector: Elbow 12">
-            <a:extLst>
-              <a:ext uri="{FF2B5EF4-FFF2-40B4-BE49-F238E27FC236}">
-                <a16:creationId xmlns:a16="http://schemas.microsoft.com/office/drawing/2014/main" id="{A5A85177-AC4B-4BE0-BCC2-AB7754F69E3C}"/>
-              </a:ext>
-            </a:extLst>
-          </p:cNvPr>
-          <p:cNvCxnSpPr>
-            <a:cxnSpLocks/>
-            <a:endCxn id="9" idx="1"/>
-          </p:cNvCxnSpPr>
-          <p:nvPr/>
-        </p:nvCxnSpPr>
-        <p:spPr>
-          <a:xfrm flipV="1">
-            <a:off x="6072225" y="4927435"/>
-            <a:ext cx="1179371" cy="259975"/>
-          </a:xfrm>
-          <a:prstGeom prst="bentConnector3">
-            <a:avLst/>
-          </a:prstGeom>
-          <a:ln>
-            <a:tailEnd type="triangle"/>
-          </a:ln>
-        </p:spPr>
-        <p:style>
-          <a:lnRef idx="1">
-            <a:schemeClr val="accent1"/>
-          </a:lnRef>
-          <a:fillRef idx="0">
-            <a:schemeClr val="accent1"/>
-          </a:fillRef>
-          <a:effectRef idx="0">
-            <a:schemeClr val="accent1"/>
-          </a:effectRef>
-          <a:fontRef idx="minor">
-            <a:schemeClr val="tx1"/>
-          </a:fontRef>
-        </p:style>
-      </p:cxnSp>
-      <p:cxnSp>
-        <p:nvCxnSpPr>
-          <p:cNvPr id="20" name="Connector: Elbow 19">
-            <a:extLst>
-              <a:ext uri="{FF2B5EF4-FFF2-40B4-BE49-F238E27FC236}">
-                <a16:creationId xmlns:a16="http://schemas.microsoft.com/office/drawing/2014/main" id="{4137B7B8-27FF-495A-A72A-8E98BD13A439}"/>
-              </a:ext>
-            </a:extLst>
-          </p:cNvPr>
-          <p:cNvCxnSpPr>
-            <a:cxnSpLocks/>
-          </p:cNvCxnSpPr>
-          <p:nvPr/>
-        </p:nvCxnSpPr>
-        <p:spPr>
-          <a:xfrm>
-            <a:off x="6457361" y="2754065"/>
-            <a:ext cx="801671" cy="224533"/>
-          </a:xfrm>
-          <a:prstGeom prst="bentConnector3">
-            <a:avLst/>
-          </a:prstGeom>
-          <a:ln>
-            <a:tailEnd type="triangle"/>
-          </a:ln>
-        </p:spPr>
-        <p:style>
-          <a:lnRef idx="1">
-            <a:schemeClr val="accent1"/>
-          </a:lnRef>
-          <a:fillRef idx="0">
-            <a:schemeClr val="accent1"/>
-          </a:fillRef>
-          <a:effectRef idx="0">
-            <a:schemeClr val="accent1"/>
-          </a:effectRef>
-          <a:fontRef idx="minor">
-            <a:schemeClr val="tx1"/>
-          </a:fontRef>
-        </p:style>
-      </p:cxnSp>
-      <p:cxnSp>
-        <p:nvCxnSpPr>
-          <p:cNvPr id="25" name="Connector: Elbow 24">
-            <a:extLst>
-              <a:ext uri="{FF2B5EF4-FFF2-40B4-BE49-F238E27FC236}">
-                <a16:creationId xmlns:a16="http://schemas.microsoft.com/office/drawing/2014/main" id="{CA55F621-7DB4-4CC3-9046-7D348AB6FDF6}"/>
-              </a:ext>
-            </a:extLst>
-          </p:cNvPr>
-          <p:cNvCxnSpPr>
-            <a:cxnSpLocks/>
-          </p:cNvCxnSpPr>
-          <p:nvPr/>
-        </p:nvCxnSpPr>
-        <p:spPr>
-          <a:xfrm>
-            <a:off x="6440865" y="5356705"/>
-            <a:ext cx="850653" cy="254030"/>
-          </a:xfrm>
-          <a:prstGeom prst="bentConnector3">
-            <a:avLst>
-              <a:gd name="adj1" fmla="val 25620"/>
-            </a:avLst>
-          </a:prstGeom>
-          <a:ln>
-            <a:tailEnd type="triangle"/>
-          </a:ln>
-        </p:spPr>
-        <p:style>
-          <a:lnRef idx="1">
-            <a:schemeClr val="accent1"/>
-          </a:lnRef>
-          <a:fillRef idx="0">
-            <a:schemeClr val="accent1"/>
-          </a:fillRef>
-          <a:effectRef idx="0">
-            <a:schemeClr val="accent1"/>
-          </a:effectRef>
-          <a:fontRef idx="minor">
-            <a:schemeClr val="tx1"/>
-          </a:fontRef>
-        </p:style>
-      </p:cxnSp>
-    </p:spTree>
-    <p:extLst>
-      <p:ext uri="{BB962C8B-B14F-4D97-AF65-F5344CB8AC3E}">
-        <p14:creationId xmlns:p14="http://schemas.microsoft.com/office/powerpoint/2010/main" val="2574334358"/>
-      </p:ext>
-    </p:extLst>
-  </p:cSld>
-  <p:clrMapOvr>
-    <a:masterClrMapping/>
-  </p:clrMapOvr>
-</p:sld>
-</file>
-
-<file path=ppt/slides/slide14.xml><?xml version="1.0" encoding="utf-8"?>
-<p:sld xmlns:a="http://schemas.openxmlformats.org/drawingml/2006/main" xmlns:r="http://schemas.openxmlformats.org/officeDocument/2006/relationships" xmlns:p="http://schemas.openxmlformats.org/presentationml/2006/main">
-  <p:cSld>
-    <p:spTree>
-      <p:nvGrpSpPr>
-        <p:cNvPr id="1" name=""/>
-        <p:cNvGrpSpPr/>
-        <p:nvPr/>
-      </p:nvGrpSpPr>
-      <p:grpSpPr>
-        <a:xfrm>
-          <a:off x="0" y="0"/>
-          <a:ext cx="0" cy="0"/>
-          <a:chOff x="0" y="0"/>
-          <a:chExt cx="0" cy="0"/>
-        </a:xfrm>
-      </p:grpSpPr>
-      <p:sp>
-        <p:nvSpPr>
-          <p:cNvPr id="2" name="Title 1">
-            <a:extLst>
-              <a:ext uri="{FF2B5EF4-FFF2-40B4-BE49-F238E27FC236}">
                 <a16:creationId xmlns:a16="http://schemas.microsoft.com/office/drawing/2014/main" id="{7D981CBA-5CAD-4105-B43F-AED7A200B9D5}"/>
               </a:ext>
             </a:extLst>
@@ -17720,121 +17189,7 @@
 </p:sld>
 </file>
 
-<file path=ppt/slides/slide15.xml><?xml version="1.0" encoding="utf-8"?>
-<p:sld xmlns:a="http://schemas.openxmlformats.org/drawingml/2006/main" xmlns:r="http://schemas.openxmlformats.org/officeDocument/2006/relationships" xmlns:p="http://schemas.openxmlformats.org/presentationml/2006/main">
-  <p:cSld>
-    <p:spTree>
-      <p:nvGrpSpPr>
-        <p:cNvPr id="1" name=""/>
-        <p:cNvGrpSpPr/>
-        <p:nvPr/>
-      </p:nvGrpSpPr>
-      <p:grpSpPr>
-        <a:xfrm>
-          <a:off x="0" y="0"/>
-          <a:ext cx="0" cy="0"/>
-          <a:chOff x="0" y="0"/>
-          <a:chExt cx="0" cy="0"/>
-        </a:xfrm>
-      </p:grpSpPr>
-      <p:sp>
-        <p:nvSpPr>
-          <p:cNvPr id="2" name="Title 1">
-            <a:extLst>
-              <a:ext uri="{FF2B5EF4-FFF2-40B4-BE49-F238E27FC236}">
-                <a16:creationId xmlns:a16="http://schemas.microsoft.com/office/drawing/2014/main" id="{D2F6E325-5FC5-491F-90DA-B8BB25682FA8}"/>
-              </a:ext>
-            </a:extLst>
-          </p:cNvPr>
-          <p:cNvSpPr>
-            <a:spLocks noGrp="1"/>
-          </p:cNvSpPr>
-          <p:nvPr>
-            <p:ph type="title"/>
-          </p:nvPr>
-        </p:nvSpPr>
-        <p:spPr/>
-        <p:txBody>
-          <a:bodyPr/>
-          <a:lstStyle/>
-          <a:p>
-            <a:r>
-              <a:rPr lang="en-US" dirty="0" err="1"/>
-              <a:t>lkm</a:t>
-            </a:r>
-            <a:endParaRPr lang="en-US" dirty="0"/>
-          </a:p>
-        </p:txBody>
-      </p:sp>
-      <p:sp>
-        <p:nvSpPr>
-          <p:cNvPr id="3" name="Title 1">
-            <a:extLst>
-              <a:ext uri="{FF2B5EF4-FFF2-40B4-BE49-F238E27FC236}">
-                <a16:creationId xmlns:a16="http://schemas.microsoft.com/office/drawing/2014/main" id="{447F9A32-2A97-434A-A85B-A9BF504AFA90}"/>
-              </a:ext>
-            </a:extLst>
-          </p:cNvPr>
-          <p:cNvSpPr txBox="1">
-            <a:spLocks/>
-          </p:cNvSpPr>
-          <p:nvPr/>
-        </p:nvSpPr>
-        <p:spPr>
-          <a:xfrm>
-            <a:off x="642677" y="2725721"/>
-            <a:ext cx="10248899" cy="703279"/>
-          </a:xfrm>
-          <a:prstGeom prst="rect">
-            <a:avLst/>
-          </a:prstGeom>
-        </p:spPr>
-        <p:txBody>
-          <a:bodyPr vert="horz" lIns="91440" tIns="45720" rIns="91440" bIns="45720" rtlCol="0" anchor="ctr">
-            <a:normAutofit/>
-          </a:bodyPr>
-          <a:lstStyle>
-            <a:lvl1pPr algn="l" defTabSz="914377" rtl="0" eaLnBrk="1" latinLnBrk="0" hangingPunct="1">
-              <a:lnSpc>
-                <a:spcPct val="90000"/>
-              </a:lnSpc>
-              <a:spcBef>
-                <a:spcPct val="0"/>
-              </a:spcBef>
-              <a:buNone/>
-              <a:defRPr sz="4400" b="1" kern="1200">
-                <a:solidFill>
-                  <a:schemeClr val="tx1"/>
-                </a:solidFill>
-                <a:latin typeface="Century Gothic" panose="020B0502020202020204" pitchFamily="34" charset="0"/>
-                <a:ea typeface="+mj-ea"/>
-                <a:cs typeface="+mj-cs"/>
-              </a:defRPr>
-            </a:lvl1pPr>
-          </a:lstStyle>
-          <a:p>
-            <a:r>
-              <a:rPr lang="en-US" dirty="0" err="1"/>
-              <a:t>lkm</a:t>
-            </a:r>
-            <a:endParaRPr lang="en-US" dirty="0"/>
-          </a:p>
-        </p:txBody>
-      </p:sp>
-    </p:spTree>
-    <p:extLst>
-      <p:ext uri="{BB962C8B-B14F-4D97-AF65-F5344CB8AC3E}">
-        <p14:creationId xmlns:p14="http://schemas.microsoft.com/office/powerpoint/2010/main" val="2686220545"/>
-      </p:ext>
-    </p:extLst>
-  </p:cSld>
-  <p:clrMapOvr>
-    <a:masterClrMapping/>
-  </p:clrMapOvr>
-</p:sld>
-</file>
-
-<file path=ppt/slides/slide16.xml><?xml version="1.0" encoding="utf-8"?>
+<file path=ppt/slides/slide14.xml><?xml version="1.0" encoding="utf-8"?>
 <p:sld xmlns:a="http://schemas.openxmlformats.org/drawingml/2006/main" xmlns:r="http://schemas.openxmlformats.org/officeDocument/2006/relationships" xmlns:p="http://schemas.openxmlformats.org/presentationml/2006/main">
   <p:cSld>
     <p:spTree>
@@ -18050,7 +17405,7 @@
 </p:sld>
 </file>
 
-<file path=ppt/slides/slide17.xml><?xml version="1.0" encoding="utf-8"?>
+<file path=ppt/slides/slide15.xml><?xml version="1.0" encoding="utf-8"?>
 <p:sld xmlns:a="http://schemas.openxmlformats.org/drawingml/2006/main" xmlns:r="http://schemas.openxmlformats.org/officeDocument/2006/relationships" xmlns:p="http://schemas.openxmlformats.org/presentationml/2006/main">
   <p:cSld>
     <p:spTree>
@@ -18221,7 +17576,7 @@
 </p:sld>
 </file>
 
-<file path=ppt/slides/slide18.xml><?xml version="1.0" encoding="utf-8"?>
+<file path=ppt/slides/slide16.xml><?xml version="1.0" encoding="utf-8"?>
 <p:sld xmlns:a="http://schemas.openxmlformats.org/drawingml/2006/main" xmlns:r="http://schemas.openxmlformats.org/officeDocument/2006/relationships" xmlns:p="http://schemas.openxmlformats.org/presentationml/2006/main">
   <p:cSld>
     <p:bg>
@@ -18419,7 +17774,7 @@
 </p:sld>
 </file>
 
-<file path=ppt/slides/slide19.xml><?xml version="1.0" encoding="utf-8"?>
+<file path=ppt/slides/slide17.xml><?xml version="1.0" encoding="utf-8"?>
 <p:sld xmlns:a="http://schemas.openxmlformats.org/drawingml/2006/main" xmlns:r="http://schemas.openxmlformats.org/officeDocument/2006/relationships" xmlns:p="http://schemas.openxmlformats.org/presentationml/2006/main">
   <p:cSld>
     <p:bg>
@@ -18618,6 +17973,64 @@
 </p:sld>
 </file>
 
+<file path=ppt/slides/slide18.xml><?xml version="1.0" encoding="utf-8"?>
+<p:sld xmlns:a="http://schemas.openxmlformats.org/drawingml/2006/main" xmlns:r="http://schemas.openxmlformats.org/officeDocument/2006/relationships" xmlns:p="http://schemas.openxmlformats.org/presentationml/2006/main">
+  <p:cSld>
+    <p:spTree>
+      <p:nvGrpSpPr>
+        <p:cNvPr id="1" name=""/>
+        <p:cNvGrpSpPr/>
+        <p:nvPr/>
+      </p:nvGrpSpPr>
+      <p:grpSpPr>
+        <a:xfrm>
+          <a:off x="0" y="0"/>
+          <a:ext cx="0" cy="0"/>
+          <a:chOff x="0" y="0"/>
+          <a:chExt cx="0" cy="0"/>
+        </a:xfrm>
+      </p:grpSpPr>
+      <p:sp>
+        <p:nvSpPr>
+          <p:cNvPr id="2" name="Title 1">
+            <a:extLst>
+              <a:ext uri="{FF2B5EF4-FFF2-40B4-BE49-F238E27FC236}">
+                <a16:creationId xmlns:a16="http://schemas.microsoft.com/office/drawing/2014/main" id="{8E87240F-96DD-4A20-A56F-ADE4EC245857}"/>
+              </a:ext>
+            </a:extLst>
+          </p:cNvPr>
+          <p:cNvSpPr>
+            <a:spLocks noGrp="1"/>
+          </p:cNvSpPr>
+          <p:nvPr>
+            <p:ph type="title"/>
+          </p:nvPr>
+        </p:nvSpPr>
+        <p:spPr/>
+        <p:txBody>
+          <a:bodyPr/>
+          <a:lstStyle/>
+          <a:p>
+            <a:r>
+              <a:rPr lang="en-AU" dirty="0"/>
+              <a:t>Q&amp;A</a:t>
+            </a:r>
+          </a:p>
+        </p:txBody>
+      </p:sp>
+    </p:spTree>
+    <p:extLst>
+      <p:ext uri="{BB962C8B-B14F-4D97-AF65-F5344CB8AC3E}">
+        <p14:creationId xmlns:p14="http://schemas.microsoft.com/office/powerpoint/2010/main" val="2109155298"/>
+      </p:ext>
+    </p:extLst>
+  </p:cSld>
+  <p:clrMapOvr>
+    <a:masterClrMapping/>
+  </p:clrMapOvr>
+</p:sld>
+</file>
+
 <file path=ppt/slides/slide2.xml><?xml version="1.0" encoding="utf-8"?>
 <p:sld xmlns:a="http://schemas.openxmlformats.org/drawingml/2006/main" xmlns:r="http://schemas.openxmlformats.org/officeDocument/2006/relationships" xmlns:p="http://schemas.openxmlformats.org/presentationml/2006/main">
   <p:cSld>
@@ -19212,64 +18625,6 @@
     <p:extLst>
       <p:ext uri="{BB962C8B-B14F-4D97-AF65-F5344CB8AC3E}">
         <p14:creationId xmlns:p14="http://schemas.microsoft.com/office/powerpoint/2010/main" val="1059258696"/>
-      </p:ext>
-    </p:extLst>
-  </p:cSld>
-  <p:clrMapOvr>
-    <a:masterClrMapping/>
-  </p:clrMapOvr>
-</p:sld>
-</file>
-
-<file path=ppt/slides/slide20.xml><?xml version="1.0" encoding="utf-8"?>
-<p:sld xmlns:a="http://schemas.openxmlformats.org/drawingml/2006/main" xmlns:r="http://schemas.openxmlformats.org/officeDocument/2006/relationships" xmlns:p="http://schemas.openxmlformats.org/presentationml/2006/main">
-  <p:cSld>
-    <p:spTree>
-      <p:nvGrpSpPr>
-        <p:cNvPr id="1" name=""/>
-        <p:cNvGrpSpPr/>
-        <p:nvPr/>
-      </p:nvGrpSpPr>
-      <p:grpSpPr>
-        <a:xfrm>
-          <a:off x="0" y="0"/>
-          <a:ext cx="0" cy="0"/>
-          <a:chOff x="0" y="0"/>
-          <a:chExt cx="0" cy="0"/>
-        </a:xfrm>
-      </p:grpSpPr>
-      <p:sp>
-        <p:nvSpPr>
-          <p:cNvPr id="2" name="Title 1">
-            <a:extLst>
-              <a:ext uri="{FF2B5EF4-FFF2-40B4-BE49-F238E27FC236}">
-                <a16:creationId xmlns:a16="http://schemas.microsoft.com/office/drawing/2014/main" id="{8E87240F-96DD-4A20-A56F-ADE4EC245857}"/>
-              </a:ext>
-            </a:extLst>
-          </p:cNvPr>
-          <p:cNvSpPr>
-            <a:spLocks noGrp="1"/>
-          </p:cNvSpPr>
-          <p:nvPr>
-            <p:ph type="title"/>
-          </p:nvPr>
-        </p:nvSpPr>
-        <p:spPr/>
-        <p:txBody>
-          <a:bodyPr/>
-          <a:lstStyle/>
-          <a:p>
-            <a:r>
-              <a:rPr lang="en-AU" dirty="0"/>
-              <a:t>Q&amp;A</a:t>
-            </a:r>
-          </a:p>
-        </p:txBody>
-      </p:sp>
-    </p:spTree>
-    <p:extLst>
-      <p:ext uri="{BB962C8B-B14F-4D97-AF65-F5344CB8AC3E}">
-        <p14:creationId xmlns:p14="http://schemas.microsoft.com/office/powerpoint/2010/main" val="2109155298"/>
       </p:ext>
     </p:extLst>
   </p:cSld>

--- a/Selenium/Pragra_Selenium_Draft.pptx
+++ b/Selenium/Pragra_Selenium_Draft.pptx
@@ -15609,7 +15609,7 @@
         <p:spPr>
           <a:xfrm>
             <a:off x="780835" y="883578"/>
-            <a:ext cx="10510463" cy="5602559"/>
+            <a:ext cx="10510463" cy="3150606"/>
           </a:xfrm>
           <a:prstGeom prst="rect">
             <a:avLst/>
@@ -15621,110 +15621,6 @@
             <a:spAutoFit/>
           </a:bodyPr>
           <a:lstStyle/>
-          <a:p>
-            <a:pPr marL="228600" indent="-228600">
-              <a:lnSpc>
-                <a:spcPct val="90000"/>
-              </a:lnSpc>
-              <a:spcBef>
-                <a:spcPts val="1000"/>
-              </a:spcBef>
-              <a:buFont typeface="Arial" panose="020B0604020202020204" pitchFamily="34" charset="0"/>
-              <a:buChar char="•"/>
-            </a:pPr>
-            <a:r>
-              <a:rPr lang="en-US" sz="2800" dirty="0"/>
-              <a:t>Selenium WebDriver is an interface that defines a set of methods.</a:t>
-            </a:r>
-          </a:p>
-          <a:p>
-            <a:pPr marL="228600" indent="-228600">
-              <a:lnSpc>
-                <a:spcPct val="90000"/>
-              </a:lnSpc>
-              <a:spcBef>
-                <a:spcPts val="1000"/>
-              </a:spcBef>
-              <a:buFont typeface="Arial" panose="020B0604020202020204" pitchFamily="34" charset="0"/>
-              <a:buChar char="•"/>
-            </a:pPr>
-            <a:r>
-              <a:rPr lang="en-US" sz="2800" dirty="0"/>
-              <a:t> However, implementation is provided by the browser specific classes.</a:t>
-            </a:r>
-          </a:p>
-          <a:p>
-            <a:pPr marL="228600" indent="-228600">
-              <a:lnSpc>
-                <a:spcPct val="90000"/>
-              </a:lnSpc>
-              <a:spcBef>
-                <a:spcPts val="1000"/>
-              </a:spcBef>
-              <a:buFont typeface="Arial" panose="020B0604020202020204" pitchFamily="34" charset="0"/>
-              <a:buChar char="•"/>
-            </a:pPr>
-            <a:r>
-              <a:rPr lang="en-US" sz="2800" dirty="0"/>
-              <a:t> Some of the implementation classes are </a:t>
-            </a:r>
-            <a:r>
-              <a:rPr lang="en-US" sz="2800" dirty="0" err="1"/>
-              <a:t>AndroidDriver</a:t>
-            </a:r>
-            <a:r>
-              <a:rPr lang="en-US" sz="2800" dirty="0"/>
-              <a:t> , </a:t>
-            </a:r>
-            <a:r>
-              <a:rPr lang="en-US" sz="2800" dirty="0" err="1"/>
-              <a:t>ChromeDriver</a:t>
-            </a:r>
-            <a:r>
-              <a:rPr lang="en-US" sz="2800" dirty="0"/>
-              <a:t> </a:t>
-            </a:r>
-            <a:r>
-              <a:rPr lang="en-US" sz="2800" dirty="0" err="1"/>
-              <a:t>FirefoxDriver</a:t>
-            </a:r>
-            <a:r>
-              <a:rPr lang="en-US" sz="2800" dirty="0"/>
-              <a:t> , </a:t>
-            </a:r>
-            <a:r>
-              <a:rPr lang="en-US" sz="2800" dirty="0" err="1"/>
-              <a:t>InternetExplorerDriver</a:t>
-            </a:r>
-            <a:r>
-              <a:rPr lang="en-US" sz="2800" dirty="0"/>
-              <a:t> </a:t>
-            </a:r>
-            <a:r>
-              <a:rPr lang="en-US" sz="2800" dirty="0" err="1"/>
-              <a:t>SafariDriver</a:t>
-            </a:r>
-            <a:r>
-              <a:rPr lang="en-US" sz="2800" dirty="0"/>
-              <a:t> etc. </a:t>
-            </a:r>
-          </a:p>
-          <a:p>
-            <a:pPr marL="228600" indent="-228600">
-              <a:lnSpc>
-                <a:spcPct val="90000"/>
-              </a:lnSpc>
-              <a:spcBef>
-                <a:spcPts val="1000"/>
-              </a:spcBef>
-              <a:buFont typeface="Arial" panose="020B0604020202020204" pitchFamily="34" charset="0"/>
-              <a:buChar char="•"/>
-            </a:pPr>
-            <a:r>
-              <a:rPr lang="en-US" sz="2800" dirty="0"/>
-              <a:t>&lt;Placeholder&gt;&lt;&gt;</a:t>
-            </a:r>
-          </a:p>
           <a:p>
             <a:pPr marL="228600" indent="-228600">
               <a:lnSpc>
